--- a/Präsentation.pptx
+++ b/Präsentation.pptx
@@ -4,6 +4,9 @@
   <p:sldMasterIdLst>
     <p:sldMasterId id="2147483648" r:id="rId1"/>
   </p:sldMasterIdLst>
+  <p:notesMasterIdLst>
+    <p:notesMasterId r:id="rId7"/>
+  </p:notesMasterIdLst>
   <p:sldIdLst>
     <p:sldId id="256" r:id="rId2"/>
     <p:sldId id="259" r:id="rId3"/>
@@ -116,6 +119,454 @@
 </p:presentation>
 </file>
 
+<file path=ppt/commentAuthors.xml><?xml version="1.0" encoding="utf-8"?>
+<p:cmAuthorLst xmlns:a="http://schemas.openxmlformats.org/drawingml/2006/main" xmlns:r="http://schemas.openxmlformats.org/officeDocument/2006/relationships" xmlns:p="http://schemas.openxmlformats.org/presentationml/2006/main">
+  <p:cmAuthor id="1" name="Sebastian Leibold" initials="SL" lastIdx="1" clrIdx="0">
+    <p:extLst>
+      <p:ext uri="{19B8F6BF-5375-455C-9EA6-DF929625EA0E}">
+        <p15:presenceInfo xmlns:p15="http://schemas.microsoft.com/office/powerpoint/2012/main" userId="Sebastian Leibold" providerId="None"/>
+      </p:ext>
+    </p:extLst>
+  </p:cmAuthor>
+</p:cmAuthorLst>
+</file>
+
+<file path=ppt/notesMasters/notesMaster1.xml><?xml version="1.0" encoding="utf-8"?>
+<p:notesMaster xmlns:a="http://schemas.openxmlformats.org/drawingml/2006/main" xmlns:r="http://schemas.openxmlformats.org/officeDocument/2006/relationships" xmlns:p="http://schemas.openxmlformats.org/presentationml/2006/main">
+  <p:cSld>
+    <p:bg>
+      <p:bgRef idx="1001">
+        <a:schemeClr val="bg1"/>
+      </p:bgRef>
+    </p:bg>
+    <p:spTree>
+      <p:nvGrpSpPr>
+        <p:cNvPr id="1" name=""/>
+        <p:cNvGrpSpPr/>
+        <p:nvPr/>
+      </p:nvGrpSpPr>
+      <p:grpSpPr>
+        <a:xfrm>
+          <a:off x="0" y="0"/>
+          <a:ext cx="0" cy="0"/>
+          <a:chOff x="0" y="0"/>
+          <a:chExt cx="0" cy="0"/>
+        </a:xfrm>
+      </p:grpSpPr>
+      <p:sp>
+        <p:nvSpPr>
+          <p:cNvPr id="2" name="Kopfzeilenplatzhalter 1"/>
+          <p:cNvSpPr>
+            <a:spLocks noGrp="1"/>
+          </p:cNvSpPr>
+          <p:nvPr>
+            <p:ph type="hdr" sz="quarter"/>
+          </p:nvPr>
+        </p:nvSpPr>
+        <p:spPr>
+          <a:xfrm>
+            <a:off x="0" y="0"/>
+            <a:ext cx="2971800" cy="458788"/>
+          </a:xfrm>
+          <a:prstGeom prst="rect">
+            <a:avLst/>
+          </a:prstGeom>
+        </p:spPr>
+        <p:txBody>
+          <a:bodyPr vert="horz" lIns="91440" tIns="45720" rIns="91440" bIns="45720" rtlCol="0"/>
+          <a:lstStyle>
+            <a:lvl1pPr algn="l">
+              <a:defRPr sz="1200"/>
+            </a:lvl1pPr>
+          </a:lstStyle>
+          <a:p>
+            <a:endParaRPr lang="de-DE"/>
+          </a:p>
+        </p:txBody>
+      </p:sp>
+      <p:sp>
+        <p:nvSpPr>
+          <p:cNvPr id="3" name="Datumsplatzhalter 2"/>
+          <p:cNvSpPr>
+            <a:spLocks noGrp="1"/>
+          </p:cNvSpPr>
+          <p:nvPr>
+            <p:ph type="dt" idx="1"/>
+          </p:nvPr>
+        </p:nvSpPr>
+        <p:spPr>
+          <a:xfrm>
+            <a:off x="3884613" y="0"/>
+            <a:ext cx="2971800" cy="458788"/>
+          </a:xfrm>
+          <a:prstGeom prst="rect">
+            <a:avLst/>
+          </a:prstGeom>
+        </p:spPr>
+        <p:txBody>
+          <a:bodyPr vert="horz" lIns="91440" tIns="45720" rIns="91440" bIns="45720" rtlCol="0"/>
+          <a:lstStyle>
+            <a:lvl1pPr algn="r">
+              <a:defRPr sz="1200"/>
+            </a:lvl1pPr>
+          </a:lstStyle>
+          <a:p>
+            <a:fld id="{7687ED15-5AE0-411B-945A-C2786C9F6265}" type="datetimeFigureOut">
+              <a:rPr lang="de-DE" smtClean="0"/>
+              <a:t>22.06.2019</a:t>
+            </a:fld>
+            <a:endParaRPr lang="de-DE"/>
+          </a:p>
+        </p:txBody>
+      </p:sp>
+      <p:sp>
+        <p:nvSpPr>
+          <p:cNvPr id="4" name="Folienbildplatzhalter 3"/>
+          <p:cNvSpPr>
+            <a:spLocks noGrp="1" noRot="1" noChangeAspect="1"/>
+          </p:cNvSpPr>
+          <p:nvPr>
+            <p:ph type="sldImg" idx="2"/>
+          </p:nvPr>
+        </p:nvSpPr>
+        <p:spPr>
+          <a:xfrm>
+            <a:off x="685800" y="1143000"/>
+            <a:ext cx="5486400" cy="3086100"/>
+          </a:xfrm>
+          <a:prstGeom prst="rect">
+            <a:avLst/>
+          </a:prstGeom>
+          <a:noFill/>
+          <a:ln w="12700">
+            <a:solidFill>
+              <a:prstClr val="black"/>
+            </a:solidFill>
+          </a:ln>
+        </p:spPr>
+        <p:txBody>
+          <a:bodyPr vert="horz" lIns="91440" tIns="45720" rIns="91440" bIns="45720" rtlCol="0" anchor="ctr"/>
+          <a:lstStyle/>
+          <a:p>
+            <a:endParaRPr lang="de-DE"/>
+          </a:p>
+        </p:txBody>
+      </p:sp>
+      <p:sp>
+        <p:nvSpPr>
+          <p:cNvPr id="5" name="Notizenplatzhalter 4"/>
+          <p:cNvSpPr>
+            <a:spLocks noGrp="1"/>
+          </p:cNvSpPr>
+          <p:nvPr>
+            <p:ph type="body" sz="quarter" idx="3"/>
+          </p:nvPr>
+        </p:nvSpPr>
+        <p:spPr>
+          <a:xfrm>
+            <a:off x="685800" y="4400550"/>
+            <a:ext cx="5486400" cy="3600450"/>
+          </a:xfrm>
+          <a:prstGeom prst="rect">
+            <a:avLst/>
+          </a:prstGeom>
+        </p:spPr>
+        <p:txBody>
+          <a:bodyPr vert="horz" lIns="91440" tIns="45720" rIns="91440" bIns="45720" rtlCol="0"/>
+          <a:lstStyle/>
+          <a:p>
+            <a:pPr lvl="0"/>
+            <a:r>
+              <a:rPr lang="de-DE"/>
+              <a:t>Mastertextformat bearbeiten</a:t>
+            </a:r>
+          </a:p>
+          <a:p>
+            <a:pPr lvl="1"/>
+            <a:r>
+              <a:rPr lang="de-DE"/>
+              <a:t>Zweite Ebene</a:t>
+            </a:r>
+          </a:p>
+          <a:p>
+            <a:pPr lvl="2"/>
+            <a:r>
+              <a:rPr lang="de-DE"/>
+              <a:t>Dritte Ebene</a:t>
+            </a:r>
+          </a:p>
+          <a:p>
+            <a:pPr lvl="3"/>
+            <a:r>
+              <a:rPr lang="de-DE"/>
+              <a:t>Vierte Ebene</a:t>
+            </a:r>
+          </a:p>
+          <a:p>
+            <a:pPr lvl="4"/>
+            <a:r>
+              <a:rPr lang="de-DE"/>
+              <a:t>Fünfte Ebene</a:t>
+            </a:r>
+          </a:p>
+        </p:txBody>
+      </p:sp>
+      <p:sp>
+        <p:nvSpPr>
+          <p:cNvPr id="6" name="Fußzeilenplatzhalter 5"/>
+          <p:cNvSpPr>
+            <a:spLocks noGrp="1"/>
+          </p:cNvSpPr>
+          <p:nvPr>
+            <p:ph type="ftr" sz="quarter" idx="4"/>
+          </p:nvPr>
+        </p:nvSpPr>
+        <p:spPr>
+          <a:xfrm>
+            <a:off x="0" y="8685213"/>
+            <a:ext cx="2971800" cy="458787"/>
+          </a:xfrm>
+          <a:prstGeom prst="rect">
+            <a:avLst/>
+          </a:prstGeom>
+        </p:spPr>
+        <p:txBody>
+          <a:bodyPr vert="horz" lIns="91440" tIns="45720" rIns="91440" bIns="45720" rtlCol="0" anchor="b"/>
+          <a:lstStyle>
+            <a:lvl1pPr algn="l">
+              <a:defRPr sz="1200"/>
+            </a:lvl1pPr>
+          </a:lstStyle>
+          <a:p>
+            <a:endParaRPr lang="de-DE"/>
+          </a:p>
+        </p:txBody>
+      </p:sp>
+      <p:sp>
+        <p:nvSpPr>
+          <p:cNvPr id="7" name="Foliennummernplatzhalter 6"/>
+          <p:cNvSpPr>
+            <a:spLocks noGrp="1"/>
+          </p:cNvSpPr>
+          <p:nvPr>
+            <p:ph type="sldNum" sz="quarter" idx="5"/>
+          </p:nvPr>
+        </p:nvSpPr>
+        <p:spPr>
+          <a:xfrm>
+            <a:off x="3884613" y="8685213"/>
+            <a:ext cx="2971800" cy="458787"/>
+          </a:xfrm>
+          <a:prstGeom prst="rect">
+            <a:avLst/>
+          </a:prstGeom>
+        </p:spPr>
+        <p:txBody>
+          <a:bodyPr vert="horz" lIns="91440" tIns="45720" rIns="91440" bIns="45720" rtlCol="0" anchor="b"/>
+          <a:lstStyle>
+            <a:lvl1pPr algn="r">
+              <a:defRPr sz="1200"/>
+            </a:lvl1pPr>
+          </a:lstStyle>
+          <a:p>
+            <a:fld id="{7AB2119E-25D8-4A9F-BDD7-EF50B7B2F266}" type="slidenum">
+              <a:rPr lang="de-DE" smtClean="0"/>
+              <a:t>‹Nr.›</a:t>
+            </a:fld>
+            <a:endParaRPr lang="de-DE"/>
+          </a:p>
+        </p:txBody>
+      </p:sp>
+    </p:spTree>
+    <p:extLst>
+      <p:ext uri="{BB962C8B-B14F-4D97-AF65-F5344CB8AC3E}">
+        <p14:creationId xmlns:p14="http://schemas.microsoft.com/office/powerpoint/2010/main" val="3648615044"/>
+      </p:ext>
+    </p:extLst>
+  </p:cSld>
+  <p:clrMap bg1="lt1" tx1="dk1" bg2="lt2" tx2="dk2" accent1="accent1" accent2="accent2" accent3="accent3" accent4="accent4" accent5="accent5" accent6="accent6" hlink="hlink" folHlink="folHlink"/>
+  <p:notesStyle>
+    <a:lvl1pPr marL="0" algn="l" defTabSz="914400" rtl="0" eaLnBrk="1" latinLnBrk="0" hangingPunct="1">
+      <a:defRPr sz="1200" kern="1200">
+        <a:solidFill>
+          <a:schemeClr val="tx1"/>
+        </a:solidFill>
+        <a:latin typeface="+mn-lt"/>
+        <a:ea typeface="+mn-ea"/>
+        <a:cs typeface="+mn-cs"/>
+      </a:defRPr>
+    </a:lvl1pPr>
+    <a:lvl2pPr marL="457200" algn="l" defTabSz="914400" rtl="0" eaLnBrk="1" latinLnBrk="0" hangingPunct="1">
+      <a:defRPr sz="1200" kern="1200">
+        <a:solidFill>
+          <a:schemeClr val="tx1"/>
+        </a:solidFill>
+        <a:latin typeface="+mn-lt"/>
+        <a:ea typeface="+mn-ea"/>
+        <a:cs typeface="+mn-cs"/>
+      </a:defRPr>
+    </a:lvl2pPr>
+    <a:lvl3pPr marL="914400" algn="l" defTabSz="914400" rtl="0" eaLnBrk="1" latinLnBrk="0" hangingPunct="1">
+      <a:defRPr sz="1200" kern="1200">
+        <a:solidFill>
+          <a:schemeClr val="tx1"/>
+        </a:solidFill>
+        <a:latin typeface="+mn-lt"/>
+        <a:ea typeface="+mn-ea"/>
+        <a:cs typeface="+mn-cs"/>
+      </a:defRPr>
+    </a:lvl3pPr>
+    <a:lvl4pPr marL="1371600" algn="l" defTabSz="914400" rtl="0" eaLnBrk="1" latinLnBrk="0" hangingPunct="1">
+      <a:defRPr sz="1200" kern="1200">
+        <a:solidFill>
+          <a:schemeClr val="tx1"/>
+        </a:solidFill>
+        <a:latin typeface="+mn-lt"/>
+        <a:ea typeface="+mn-ea"/>
+        <a:cs typeface="+mn-cs"/>
+      </a:defRPr>
+    </a:lvl4pPr>
+    <a:lvl5pPr marL="1828800" algn="l" defTabSz="914400" rtl="0" eaLnBrk="1" latinLnBrk="0" hangingPunct="1">
+      <a:defRPr sz="1200" kern="1200">
+        <a:solidFill>
+          <a:schemeClr val="tx1"/>
+        </a:solidFill>
+        <a:latin typeface="+mn-lt"/>
+        <a:ea typeface="+mn-ea"/>
+        <a:cs typeface="+mn-cs"/>
+      </a:defRPr>
+    </a:lvl5pPr>
+    <a:lvl6pPr marL="2286000" algn="l" defTabSz="914400" rtl="0" eaLnBrk="1" latinLnBrk="0" hangingPunct="1">
+      <a:defRPr sz="1200" kern="1200">
+        <a:solidFill>
+          <a:schemeClr val="tx1"/>
+        </a:solidFill>
+        <a:latin typeface="+mn-lt"/>
+        <a:ea typeface="+mn-ea"/>
+        <a:cs typeface="+mn-cs"/>
+      </a:defRPr>
+    </a:lvl6pPr>
+    <a:lvl7pPr marL="2743200" algn="l" defTabSz="914400" rtl="0" eaLnBrk="1" latinLnBrk="0" hangingPunct="1">
+      <a:defRPr sz="1200" kern="1200">
+        <a:solidFill>
+          <a:schemeClr val="tx1"/>
+        </a:solidFill>
+        <a:latin typeface="+mn-lt"/>
+        <a:ea typeface="+mn-ea"/>
+        <a:cs typeface="+mn-cs"/>
+      </a:defRPr>
+    </a:lvl7pPr>
+    <a:lvl8pPr marL="3200400" algn="l" defTabSz="914400" rtl="0" eaLnBrk="1" latinLnBrk="0" hangingPunct="1">
+      <a:defRPr sz="1200" kern="1200">
+        <a:solidFill>
+          <a:schemeClr val="tx1"/>
+        </a:solidFill>
+        <a:latin typeface="+mn-lt"/>
+        <a:ea typeface="+mn-ea"/>
+        <a:cs typeface="+mn-cs"/>
+      </a:defRPr>
+    </a:lvl8pPr>
+    <a:lvl9pPr marL="3657600" algn="l" defTabSz="914400" rtl="0" eaLnBrk="1" latinLnBrk="0" hangingPunct="1">
+      <a:defRPr sz="1200" kern="1200">
+        <a:solidFill>
+          <a:schemeClr val="tx1"/>
+        </a:solidFill>
+        <a:latin typeface="+mn-lt"/>
+        <a:ea typeface="+mn-ea"/>
+        <a:cs typeface="+mn-cs"/>
+      </a:defRPr>
+    </a:lvl9pPr>
+  </p:notesStyle>
+</p:notesMaster>
+</file>
+
+<file path=ppt/notesSlides/notesSlide1.xml><?xml version="1.0" encoding="utf-8"?>
+<p:notes xmlns:a="http://schemas.openxmlformats.org/drawingml/2006/main" xmlns:r="http://schemas.openxmlformats.org/officeDocument/2006/relationships" xmlns:p="http://schemas.openxmlformats.org/presentationml/2006/main">
+  <p:cSld>
+    <p:spTree>
+      <p:nvGrpSpPr>
+        <p:cNvPr id="1" name=""/>
+        <p:cNvGrpSpPr/>
+        <p:nvPr/>
+      </p:nvGrpSpPr>
+      <p:grpSpPr>
+        <a:xfrm>
+          <a:off x="0" y="0"/>
+          <a:ext cx="0" cy="0"/>
+          <a:chOff x="0" y="0"/>
+          <a:chExt cx="0" cy="0"/>
+        </a:xfrm>
+      </p:grpSpPr>
+      <p:sp>
+        <p:nvSpPr>
+          <p:cNvPr id="2" name="Folienbildplatzhalter 1"/>
+          <p:cNvSpPr>
+            <a:spLocks noGrp="1" noRot="1" noChangeAspect="1"/>
+          </p:cNvSpPr>
+          <p:nvPr>
+            <p:ph type="sldImg"/>
+          </p:nvPr>
+        </p:nvSpPr>
+        <p:spPr/>
+      </p:sp>
+      <p:sp>
+        <p:nvSpPr>
+          <p:cNvPr id="3" name="Notizenplatzhalter 2"/>
+          <p:cNvSpPr>
+            <a:spLocks noGrp="1"/>
+          </p:cNvSpPr>
+          <p:nvPr>
+            <p:ph type="body" idx="1"/>
+          </p:nvPr>
+        </p:nvSpPr>
+        <p:spPr/>
+        <p:txBody>
+          <a:bodyPr/>
+          <a:lstStyle/>
+          <a:p>
+            <a:r>
+              <a:rPr lang="de-DE" dirty="0"/>
+              <a:t>Große Konkurrenz ist und jetzt nicht bekannt, aber wir behaupten jetzt einfach mal dem wäre so, dann ist unsere App sicherlich einfacher zu bedienen, unterstützt die nötigen Grundfunktionalitäten und liefert trotzdem qualitative hochwertige Resultate. </a:t>
+            </a:r>
+          </a:p>
+        </p:txBody>
+      </p:sp>
+      <p:sp>
+        <p:nvSpPr>
+          <p:cNvPr id="4" name="Foliennummernplatzhalter 3"/>
+          <p:cNvSpPr>
+            <a:spLocks noGrp="1"/>
+          </p:cNvSpPr>
+          <p:nvPr>
+            <p:ph type="sldNum" sz="quarter" idx="5"/>
+          </p:nvPr>
+        </p:nvSpPr>
+        <p:spPr/>
+        <p:txBody>
+          <a:bodyPr/>
+          <a:lstStyle/>
+          <a:p>
+            <a:fld id="{7AB2119E-25D8-4A9F-BDD7-EF50B7B2F266}" type="slidenum">
+              <a:rPr lang="de-DE" smtClean="0"/>
+              <a:t>1</a:t>
+            </a:fld>
+            <a:endParaRPr lang="de-DE"/>
+          </a:p>
+        </p:txBody>
+      </p:sp>
+    </p:spTree>
+    <p:extLst>
+      <p:ext uri="{BB962C8B-B14F-4D97-AF65-F5344CB8AC3E}">
+        <p14:creationId xmlns:p14="http://schemas.microsoft.com/office/powerpoint/2010/main" val="51732840"/>
+      </p:ext>
+    </p:extLst>
+  </p:cSld>
+  <p:clrMapOvr>
+    <a:masterClrMapping/>
+  </p:clrMapOvr>
+</p:notes>
+</file>
+
 <file path=ppt/slideLayouts/slideLayout1.xml><?xml version="1.0" encoding="utf-8"?>
 <p:sldLayout xmlns:a="http://schemas.openxmlformats.org/drawingml/2006/main" xmlns:r="http://schemas.openxmlformats.org/officeDocument/2006/relationships" xmlns:p="http://schemas.openxmlformats.org/presentationml/2006/main" type="title" preserve="1">
   <p:cSld name="Title Slide">
@@ -319,7 +770,7 @@
           <a:p>
             <a:fld id="{6EB1F643-D576-490F-9ADB-529C6C74D43F}" type="slidenum">
               <a:rPr lang="de-DE" smtClean="0"/>
-              <a:t>‹#›</a:t>
+              <a:t>‹Nr.›</a:t>
             </a:fld>
             <a:endParaRPr lang="de-DE"/>
           </a:p>
@@ -519,7 +970,7 @@
           <a:p>
             <a:fld id="{6EB1F643-D576-490F-9ADB-529C6C74D43F}" type="slidenum">
               <a:rPr lang="de-DE" smtClean="0"/>
-              <a:t>‹#›</a:t>
+              <a:t>‹Nr.›</a:t>
             </a:fld>
             <a:endParaRPr lang="de-DE"/>
           </a:p>
@@ -729,7 +1180,7 @@
           <a:p>
             <a:fld id="{6EB1F643-D576-490F-9ADB-529C6C74D43F}" type="slidenum">
               <a:rPr lang="de-DE" smtClean="0"/>
-              <a:t>‹#›</a:t>
+              <a:t>‹Nr.›</a:t>
             </a:fld>
             <a:endParaRPr lang="de-DE"/>
           </a:p>
@@ -929,7 +1380,7 @@
           <a:p>
             <a:fld id="{6EB1F643-D576-490F-9ADB-529C6C74D43F}" type="slidenum">
               <a:rPr lang="de-DE" smtClean="0"/>
-              <a:t>‹#›</a:t>
+              <a:t>‹Nr.›</a:t>
             </a:fld>
             <a:endParaRPr lang="de-DE"/>
           </a:p>
@@ -1205,7 +1656,7 @@
           <a:p>
             <a:fld id="{6EB1F643-D576-490F-9ADB-529C6C74D43F}" type="slidenum">
               <a:rPr lang="de-DE" smtClean="0"/>
-              <a:t>‹#›</a:t>
+              <a:t>‹Nr.›</a:t>
             </a:fld>
             <a:endParaRPr lang="de-DE"/>
           </a:p>
@@ -1473,7 +1924,7 @@
           <a:p>
             <a:fld id="{6EB1F643-D576-490F-9ADB-529C6C74D43F}" type="slidenum">
               <a:rPr lang="de-DE" smtClean="0"/>
-              <a:t>‹#›</a:t>
+              <a:t>‹Nr.›</a:t>
             </a:fld>
             <a:endParaRPr lang="de-DE"/>
           </a:p>
@@ -1888,7 +2339,7 @@
           <a:p>
             <a:fld id="{6EB1F643-D576-490F-9ADB-529C6C74D43F}" type="slidenum">
               <a:rPr lang="de-DE" smtClean="0"/>
-              <a:t>‹#›</a:t>
+              <a:t>‹Nr.›</a:t>
             </a:fld>
             <a:endParaRPr lang="de-DE"/>
           </a:p>
@@ -2030,7 +2481,7 @@
           <a:p>
             <a:fld id="{6EB1F643-D576-490F-9ADB-529C6C74D43F}" type="slidenum">
               <a:rPr lang="de-DE" smtClean="0"/>
-              <a:t>‹#›</a:t>
+              <a:t>‹Nr.›</a:t>
             </a:fld>
             <a:endParaRPr lang="de-DE"/>
           </a:p>
@@ -2143,7 +2594,7 @@
           <a:p>
             <a:fld id="{6EB1F643-D576-490F-9ADB-529C6C74D43F}" type="slidenum">
               <a:rPr lang="de-DE" smtClean="0"/>
-              <a:t>‹#›</a:t>
+              <a:t>‹Nr.›</a:t>
             </a:fld>
             <a:endParaRPr lang="de-DE"/>
           </a:p>
@@ -2456,7 +2907,7 @@
           <a:p>
             <a:fld id="{6EB1F643-D576-490F-9ADB-529C6C74D43F}" type="slidenum">
               <a:rPr lang="de-DE" smtClean="0"/>
-              <a:t>‹#›</a:t>
+              <a:t>‹Nr.›</a:t>
             </a:fld>
             <a:endParaRPr lang="de-DE"/>
           </a:p>
@@ -2745,7 +3196,7 @@
           <a:p>
             <a:fld id="{6EB1F643-D576-490F-9ADB-529C6C74D43F}" type="slidenum">
               <a:rPr lang="de-DE" smtClean="0"/>
-              <a:t>‹#›</a:t>
+              <a:t>‹Nr.›</a:t>
             </a:fld>
             <a:endParaRPr lang="de-DE"/>
           </a:p>
@@ -3024,7 +3475,7 @@
           <a:p>
             <a:fld id="{6EB1F643-D576-490F-9ADB-529C6C74D43F}" type="slidenum">
               <a:rPr lang="de-DE" smtClean="0"/>
-              <a:t>‹#›</a:t>
+              <a:t>‹Nr.›</a:t>
             </a:fld>
             <a:endParaRPr lang="de-DE"/>
           </a:p>
@@ -3401,7 +3852,16 @@
           <a:bodyPr/>
           <a:lstStyle/>
           <a:p>
-            <a:endParaRPr lang="de-DE" dirty="0"/>
+            <a:r>
+              <a:rPr lang="de-DE" dirty="0"/>
+              <a:t>Genervt vom dauernden Lautstärkeregeln während die eigene Playlist durchläuft?</a:t>
+            </a:r>
+          </a:p>
+          <a:p>
+            <a:r>
+              <a:rPr lang="de-DE" dirty="0"/>
+              <a:t>Dann haben wir hier die Lösung deines Problems, denn unser Programm passt die Lautstärke deiner Lieder aufeinander ab.</a:t>
+            </a:r>
           </a:p>
         </p:txBody>
       </p:sp>
@@ -3490,21 +3950,68 @@
             </a:r>
           </a:p>
           <a:p>
-            <a:pPr lvl="1"/>
+            <a:pPr lvl="1">
+              <a:buBlip>
+                <a:blip r:embed="rId2">
+                  <a:extLst>
+                    <a:ext uri="{837473B0-CC2E-450A-ABE3-18F120FF3D39}">
+                      <a1611:picAttrSrcUrl xmlns:a1611="http://schemas.microsoft.com/office/drawing/2016/11/main" r:id="rId3"/>
+                    </a:ext>
+                  </a:extLst>
+                </a:blip>
+              </a:buBlip>
+            </a:pPr>
             <a:r>
               <a:rPr lang="de-DE" dirty="0"/>
               <a:t>Einlesen und Dekodieren</a:t>
             </a:r>
           </a:p>
           <a:p>
-            <a:pPr lvl="1"/>
+            <a:pPr lvl="1">
+              <a:buBlip>
+                <a:blip r:embed="rId2">
+                  <a:extLst>
+                    <a:ext uri="{837473B0-CC2E-450A-ABE3-18F120FF3D39}">
+                      <a1611:picAttrSrcUrl xmlns:a1611="http://schemas.microsoft.com/office/drawing/2016/11/main" r:id="rId3"/>
+                    </a:ext>
+                  </a:extLst>
+                </a:blip>
+              </a:buBlip>
+            </a:pPr>
             <a:r>
               <a:rPr lang="de-DE" dirty="0"/>
-              <a:t>Durchschnitt berechnen</a:t>
-            </a:r>
-          </a:p>
-          <a:p>
-            <a:pPr lvl="1"/>
+              <a:t>Lautstärkendurchschnitt berechnen</a:t>
+            </a:r>
+          </a:p>
+          <a:p>
+            <a:pPr lvl="1">
+              <a:buBlip>
+                <a:blip r:embed="rId2">
+                  <a:extLst>
+                    <a:ext uri="{837473B0-CC2E-450A-ABE3-18F120FF3D39}">
+                      <a1611:picAttrSrcUrl xmlns:a1611="http://schemas.microsoft.com/office/drawing/2016/11/main" r:id="rId3"/>
+                    </a:ext>
+                  </a:extLst>
+                </a:blip>
+              </a:buBlip>
+            </a:pPr>
+            <a:r>
+              <a:rPr lang="de-DE" dirty="0"/>
+              <a:t>Lautstärke anpassen</a:t>
+            </a:r>
+          </a:p>
+          <a:p>
+            <a:pPr lvl="1">
+              <a:buBlip>
+                <a:blip r:embed="rId2">
+                  <a:extLst>
+                    <a:ext uri="{837473B0-CC2E-450A-ABE3-18F120FF3D39}">
+                      <a1611:picAttrSrcUrl xmlns:a1611="http://schemas.microsoft.com/office/drawing/2016/11/main" r:id="rId3"/>
+                    </a:ext>
+                  </a:extLst>
+                </a:blip>
+              </a:buBlip>
+            </a:pPr>
             <a:r>
               <a:rPr lang="de-DE" dirty="0"/>
               <a:t>Enkodieren und Schreiben</a:t>
@@ -3556,7 +4063,7 @@
           </p:cNvPicPr>
           <p:nvPr/>
         </p:nvPicPr>
-        <p:blipFill>
+        <p:blipFill rotWithShape="1">
           <a:blip r:embed="rId2">
             <a:extLst>
               <a:ext uri="{28A0092B-C50C-407E-A947-70E740481C1C}">
@@ -3567,20 +4074,71 @@
               </a:ext>
             </a:extLst>
           </a:blip>
-          <a:stretch>
-            <a:fillRect/>
-          </a:stretch>
+          <a:srcRect l="2" r="11417"/>
+          <a:stretch/>
         </p:blipFill>
         <p:spPr>
           <a:xfrm>
-            <a:off x="0" y="606254"/>
-            <a:ext cx="12192000" cy="5578380"/>
+            <a:off x="367093" y="741387"/>
+            <a:ext cx="11457814" cy="5918152"/>
           </a:xfrm>
           <a:prstGeom prst="rect">
             <a:avLst/>
           </a:prstGeom>
         </p:spPr>
       </p:pic>
+      <p:sp>
+        <p:nvSpPr>
+          <p:cNvPr id="4" name="Title 1">
+            <a:extLst>
+              <a:ext uri="{FF2B5EF4-FFF2-40B4-BE49-F238E27FC236}">
+                <a16:creationId xmlns:a16="http://schemas.microsoft.com/office/drawing/2014/main" id="{179ADAF2-B109-4311-AA83-F27E965A3193}"/>
+              </a:ext>
+            </a:extLst>
+          </p:cNvPr>
+          <p:cNvSpPr txBox="1">
+            <a:spLocks/>
+          </p:cNvSpPr>
+          <p:nvPr/>
+        </p:nvSpPr>
+        <p:spPr>
+          <a:xfrm>
+            <a:off x="838200" y="741387"/>
+            <a:ext cx="10515600" cy="1325563"/>
+          </a:xfrm>
+          <a:prstGeom prst="rect">
+            <a:avLst/>
+          </a:prstGeom>
+        </p:spPr>
+        <p:txBody>
+          <a:bodyPr/>
+          <a:lstStyle>
+            <a:lvl1pPr algn="l" defTabSz="914400" rtl="0" eaLnBrk="1" latinLnBrk="0" hangingPunct="1">
+              <a:lnSpc>
+                <a:spcPct val="90000"/>
+              </a:lnSpc>
+              <a:spcBef>
+                <a:spcPct val="0"/>
+              </a:spcBef>
+              <a:buNone/>
+              <a:defRPr sz="4400" kern="1200">
+                <a:solidFill>
+                  <a:schemeClr val="tx1"/>
+                </a:solidFill>
+                <a:latin typeface="+mj-lt"/>
+                <a:ea typeface="+mj-ea"/>
+                <a:cs typeface="+mj-cs"/>
+              </a:defRPr>
+            </a:lvl1pPr>
+          </a:lstStyle>
+          <a:p>
+            <a:r>
+              <a:rPr lang="de-DE" dirty="0"/>
+              <a:t>Das Klassendiagram:</a:t>
+            </a:r>
+          </a:p>
+        </p:txBody>
+      </p:sp>
     </p:spTree>
     <p:extLst>
       <p:ext uri="{BB962C8B-B14F-4D97-AF65-F5344CB8AC3E}">
@@ -3611,6 +4169,58 @@
           <a:chExt cx="0" cy="0"/>
         </a:xfrm>
       </p:grpSpPr>
+      <p:sp>
+        <p:nvSpPr>
+          <p:cNvPr id="2" name="Title 1">
+            <a:extLst>
+              <a:ext uri="{FF2B5EF4-FFF2-40B4-BE49-F238E27FC236}">
+                <a16:creationId xmlns:a16="http://schemas.microsoft.com/office/drawing/2014/main" id="{9855DF6A-5C41-495C-9CFE-C330A9E51627}"/>
+              </a:ext>
+            </a:extLst>
+          </p:cNvPr>
+          <p:cNvSpPr txBox="1">
+            <a:spLocks/>
+          </p:cNvSpPr>
+          <p:nvPr/>
+        </p:nvSpPr>
+        <p:spPr>
+          <a:xfrm>
+            <a:off x="838200" y="365125"/>
+            <a:ext cx="10515600" cy="1325563"/>
+          </a:xfrm>
+          <a:prstGeom prst="rect">
+            <a:avLst/>
+          </a:prstGeom>
+        </p:spPr>
+        <p:txBody>
+          <a:bodyPr/>
+          <a:lstStyle>
+            <a:lvl1pPr algn="l" defTabSz="914400" rtl="0" eaLnBrk="1" latinLnBrk="0" hangingPunct="1">
+              <a:lnSpc>
+                <a:spcPct val="90000"/>
+              </a:lnSpc>
+              <a:spcBef>
+                <a:spcPct val="0"/>
+              </a:spcBef>
+              <a:buNone/>
+              <a:defRPr sz="4400" kern="1200">
+                <a:solidFill>
+                  <a:schemeClr val="tx1"/>
+                </a:solidFill>
+                <a:latin typeface="+mj-lt"/>
+                <a:ea typeface="+mj-ea"/>
+                <a:cs typeface="+mj-cs"/>
+              </a:defRPr>
+            </a:lvl1pPr>
+          </a:lstStyle>
+          <a:p>
+            <a:r>
+              <a:rPr lang="de-DE" dirty="0"/>
+              <a:t>Demo-Video:</a:t>
+            </a:r>
+          </a:p>
+        </p:txBody>
+      </p:sp>
     </p:spTree>
     <p:extLst>
       <p:ext uri="{BB962C8B-B14F-4D97-AF65-F5344CB8AC3E}">
@@ -4051,4 +4661,299 @@
     </a:ext>
   </a:extLst>
 </a:theme>
+</file>
+
+<file path=ppt/theme/theme2.xml><?xml version="1.0" encoding="utf-8"?>
+<a:theme xmlns:a="http://schemas.openxmlformats.org/drawingml/2006/main" name="Office">
+  <a:themeElements>
+    <a:clrScheme name="Office">
+      <a:dk1>
+        <a:sysClr val="windowText" lastClr="000000"/>
+      </a:dk1>
+      <a:lt1>
+        <a:sysClr val="window" lastClr="FFFFFF"/>
+      </a:lt1>
+      <a:dk2>
+        <a:srgbClr val="44546A"/>
+      </a:dk2>
+      <a:lt2>
+        <a:srgbClr val="E7E6E6"/>
+      </a:lt2>
+      <a:accent1>
+        <a:srgbClr val="4472C4"/>
+      </a:accent1>
+      <a:accent2>
+        <a:srgbClr val="ED7D31"/>
+      </a:accent2>
+      <a:accent3>
+        <a:srgbClr val="A5A5A5"/>
+      </a:accent3>
+      <a:accent4>
+        <a:srgbClr val="FFC000"/>
+      </a:accent4>
+      <a:accent5>
+        <a:srgbClr val="5B9BD5"/>
+      </a:accent5>
+      <a:accent6>
+        <a:srgbClr val="70AD47"/>
+      </a:accent6>
+      <a:hlink>
+        <a:srgbClr val="0563C1"/>
+      </a:hlink>
+      <a:folHlink>
+        <a:srgbClr val="954F72"/>
+      </a:folHlink>
+    </a:clrScheme>
+    <a:fontScheme name="Office">
+      <a:majorFont>
+        <a:latin typeface="Calibri Light" panose="020F0302020204030204"/>
+        <a:ea typeface=""/>
+        <a:cs typeface=""/>
+        <a:font script="Jpan" typeface="游ゴシック Light"/>
+        <a:font script="Hang" typeface="맑은 고딕"/>
+        <a:font script="Hans" typeface="等线 Light"/>
+        <a:font script="Hant" typeface="新細明體"/>
+        <a:font script="Arab" typeface="Times New Roman"/>
+        <a:font script="Hebr" typeface="Times New Roman"/>
+        <a:font script="Thai" typeface="Angsana New"/>
+        <a:font script="Ethi" typeface="Nyala"/>
+        <a:font script="Beng" typeface="Vrinda"/>
+        <a:font script="Gujr" typeface="Shruti"/>
+        <a:font script="Khmr" typeface="MoolBoran"/>
+        <a:font script="Knda" typeface="Tunga"/>
+        <a:font script="Guru" typeface="Raavi"/>
+        <a:font script="Cans" typeface="Euphemia"/>
+        <a:font script="Cher" typeface="Plantagenet Cherokee"/>
+        <a:font script="Yiii" typeface="Microsoft Yi Baiti"/>
+        <a:font script="Tibt" typeface="Microsoft Himalaya"/>
+        <a:font script="Thaa" typeface="MV Boli"/>
+        <a:font script="Deva" typeface="Mangal"/>
+        <a:font script="Telu" typeface="Gautami"/>
+        <a:font script="Taml" typeface="Latha"/>
+        <a:font script="Syrc" typeface="Estrangelo Edessa"/>
+        <a:font script="Orya" typeface="Kalinga"/>
+        <a:font script="Mlym" typeface="Kartika"/>
+        <a:font script="Laoo" typeface="DokChampa"/>
+        <a:font script="Sinh" typeface="Iskoola Pota"/>
+        <a:font script="Mong" typeface="Mongolian Baiti"/>
+        <a:font script="Viet" typeface="Times New Roman"/>
+        <a:font script="Uigh" typeface="Microsoft Uighur"/>
+        <a:font script="Geor" typeface="Sylfaen"/>
+        <a:font script="Armn" typeface="Arial"/>
+        <a:font script="Bugi" typeface="Leelawadee UI"/>
+        <a:font script="Bopo" typeface="Microsoft JhengHei"/>
+        <a:font script="Java" typeface="Javanese Text"/>
+        <a:font script="Lisu" typeface="Segoe UI"/>
+        <a:font script="Mymr" typeface="Myanmar Text"/>
+        <a:font script="Nkoo" typeface="Ebrima"/>
+        <a:font script="Olck" typeface="Nirmala UI"/>
+        <a:font script="Osma" typeface="Ebrima"/>
+        <a:font script="Phag" typeface="Phagspa"/>
+        <a:font script="Syrn" typeface="Estrangelo Edessa"/>
+        <a:font script="Syrj" typeface="Estrangelo Edessa"/>
+        <a:font script="Syre" typeface="Estrangelo Edessa"/>
+        <a:font script="Sora" typeface="Nirmala UI"/>
+        <a:font script="Tale" typeface="Microsoft Tai Le"/>
+        <a:font script="Talu" typeface="Microsoft New Tai Lue"/>
+        <a:font script="Tfng" typeface="Ebrima"/>
+      </a:majorFont>
+      <a:minorFont>
+        <a:latin typeface="Calibri" panose="020F0502020204030204"/>
+        <a:ea typeface=""/>
+        <a:cs typeface=""/>
+        <a:font script="Jpan" typeface="游ゴシック"/>
+        <a:font script="Hang" typeface="맑은 고딕"/>
+        <a:font script="Hans" typeface="等线"/>
+        <a:font script="Hant" typeface="新細明體"/>
+        <a:font script="Arab" typeface="Arial"/>
+        <a:font script="Hebr" typeface="Arial"/>
+        <a:font script="Thai" typeface="Cordia New"/>
+        <a:font script="Ethi" typeface="Nyala"/>
+        <a:font script="Beng" typeface="Vrinda"/>
+        <a:font script="Gujr" typeface="Shruti"/>
+        <a:font script="Khmr" typeface="DaunPenh"/>
+        <a:font script="Knda" typeface="Tunga"/>
+        <a:font script="Guru" typeface="Raavi"/>
+        <a:font script="Cans" typeface="Euphemia"/>
+        <a:font script="Cher" typeface="Plantagenet Cherokee"/>
+        <a:font script="Yiii" typeface="Microsoft Yi Baiti"/>
+        <a:font script="Tibt" typeface="Microsoft Himalaya"/>
+        <a:font script="Thaa" typeface="MV Boli"/>
+        <a:font script="Deva" typeface="Mangal"/>
+        <a:font script="Telu" typeface="Gautami"/>
+        <a:font script="Taml" typeface="Latha"/>
+        <a:font script="Syrc" typeface="Estrangelo Edessa"/>
+        <a:font script="Orya" typeface="Kalinga"/>
+        <a:font script="Mlym" typeface="Kartika"/>
+        <a:font script="Laoo" typeface="DokChampa"/>
+        <a:font script="Sinh" typeface="Iskoola Pota"/>
+        <a:font script="Mong" typeface="Mongolian Baiti"/>
+        <a:font script="Viet" typeface="Arial"/>
+        <a:font script="Uigh" typeface="Microsoft Uighur"/>
+        <a:font script="Geor" typeface="Sylfaen"/>
+        <a:font script="Armn" typeface="Arial"/>
+        <a:font script="Bugi" typeface="Leelawadee UI"/>
+        <a:font script="Bopo" typeface="Microsoft JhengHei"/>
+        <a:font script="Java" typeface="Javanese Text"/>
+        <a:font script="Lisu" typeface="Segoe UI"/>
+        <a:font script="Mymr" typeface="Myanmar Text"/>
+        <a:font script="Nkoo" typeface="Ebrima"/>
+        <a:font script="Olck" typeface="Nirmala UI"/>
+        <a:font script="Osma" typeface="Ebrima"/>
+        <a:font script="Phag" typeface="Phagspa"/>
+        <a:font script="Syrn" typeface="Estrangelo Edessa"/>
+        <a:font script="Syrj" typeface="Estrangelo Edessa"/>
+        <a:font script="Syre" typeface="Estrangelo Edessa"/>
+        <a:font script="Sora" typeface="Nirmala UI"/>
+        <a:font script="Tale" typeface="Microsoft Tai Le"/>
+        <a:font script="Talu" typeface="Microsoft New Tai Lue"/>
+        <a:font script="Tfng" typeface="Ebrima"/>
+      </a:minorFont>
+    </a:fontScheme>
+    <a:fmtScheme name="Office">
+      <a:fillStyleLst>
+        <a:solidFill>
+          <a:schemeClr val="phClr"/>
+        </a:solidFill>
+        <a:gradFill rotWithShape="1">
+          <a:gsLst>
+            <a:gs pos="0">
+              <a:schemeClr val="phClr">
+                <a:lumMod val="110000"/>
+                <a:satMod val="105000"/>
+                <a:tint val="67000"/>
+              </a:schemeClr>
+            </a:gs>
+            <a:gs pos="50000">
+              <a:schemeClr val="phClr">
+                <a:lumMod val="105000"/>
+                <a:satMod val="103000"/>
+                <a:tint val="73000"/>
+              </a:schemeClr>
+            </a:gs>
+            <a:gs pos="100000">
+              <a:schemeClr val="phClr">
+                <a:lumMod val="105000"/>
+                <a:satMod val="109000"/>
+                <a:tint val="81000"/>
+              </a:schemeClr>
+            </a:gs>
+          </a:gsLst>
+          <a:lin ang="5400000" scaled="0"/>
+        </a:gradFill>
+        <a:gradFill rotWithShape="1">
+          <a:gsLst>
+            <a:gs pos="0">
+              <a:schemeClr val="phClr">
+                <a:satMod val="103000"/>
+                <a:lumMod val="102000"/>
+                <a:tint val="94000"/>
+              </a:schemeClr>
+            </a:gs>
+            <a:gs pos="50000">
+              <a:schemeClr val="phClr">
+                <a:satMod val="110000"/>
+                <a:lumMod val="100000"/>
+                <a:shade val="100000"/>
+              </a:schemeClr>
+            </a:gs>
+            <a:gs pos="100000">
+              <a:schemeClr val="phClr">
+                <a:lumMod val="99000"/>
+                <a:satMod val="120000"/>
+                <a:shade val="78000"/>
+              </a:schemeClr>
+            </a:gs>
+          </a:gsLst>
+          <a:lin ang="5400000" scaled="0"/>
+        </a:gradFill>
+      </a:fillStyleLst>
+      <a:lnStyleLst>
+        <a:ln w="6350" cap="flat" cmpd="sng" algn="ctr">
+          <a:solidFill>
+            <a:schemeClr val="phClr"/>
+          </a:solidFill>
+          <a:prstDash val="solid"/>
+          <a:miter lim="800000"/>
+        </a:ln>
+        <a:ln w="12700" cap="flat" cmpd="sng" algn="ctr">
+          <a:solidFill>
+            <a:schemeClr val="phClr"/>
+          </a:solidFill>
+          <a:prstDash val="solid"/>
+          <a:miter lim="800000"/>
+        </a:ln>
+        <a:ln w="19050" cap="flat" cmpd="sng" algn="ctr">
+          <a:solidFill>
+            <a:schemeClr val="phClr"/>
+          </a:solidFill>
+          <a:prstDash val="solid"/>
+          <a:miter lim="800000"/>
+        </a:ln>
+      </a:lnStyleLst>
+      <a:effectStyleLst>
+        <a:effectStyle>
+          <a:effectLst/>
+        </a:effectStyle>
+        <a:effectStyle>
+          <a:effectLst/>
+        </a:effectStyle>
+        <a:effectStyle>
+          <a:effectLst>
+            <a:outerShdw blurRad="57150" dist="19050" dir="5400000" algn="ctr" rotWithShape="0">
+              <a:srgbClr val="000000">
+                <a:alpha val="63000"/>
+              </a:srgbClr>
+            </a:outerShdw>
+          </a:effectLst>
+        </a:effectStyle>
+      </a:effectStyleLst>
+      <a:bgFillStyleLst>
+        <a:solidFill>
+          <a:schemeClr val="phClr"/>
+        </a:solidFill>
+        <a:solidFill>
+          <a:schemeClr val="phClr">
+            <a:tint val="95000"/>
+            <a:satMod val="170000"/>
+          </a:schemeClr>
+        </a:solidFill>
+        <a:gradFill rotWithShape="1">
+          <a:gsLst>
+            <a:gs pos="0">
+              <a:schemeClr val="phClr">
+                <a:tint val="93000"/>
+                <a:satMod val="150000"/>
+                <a:shade val="98000"/>
+                <a:lumMod val="102000"/>
+              </a:schemeClr>
+            </a:gs>
+            <a:gs pos="50000">
+              <a:schemeClr val="phClr">
+                <a:tint val="98000"/>
+                <a:satMod val="130000"/>
+                <a:shade val="90000"/>
+                <a:lumMod val="103000"/>
+              </a:schemeClr>
+            </a:gs>
+            <a:gs pos="100000">
+              <a:schemeClr val="phClr">
+                <a:shade val="63000"/>
+                <a:satMod val="120000"/>
+              </a:schemeClr>
+            </a:gs>
+          </a:gsLst>
+          <a:lin ang="5400000" scaled="0"/>
+        </a:gradFill>
+      </a:bgFillStyleLst>
+    </a:fmtScheme>
+  </a:themeElements>
+  <a:objectDefaults/>
+  <a:extraClrSchemeLst/>
+  <a:extLst>
+    <a:ext uri="{05A4C25C-085E-4340-85A3-A5531E510DB2}">
+      <thm15:themeFamily xmlns:thm15="http://schemas.microsoft.com/office/thememl/2012/main" name="Office Theme" id="{62F939B6-93AF-4DB8-9C6B-D6C7DFDC589F}" vid="{4A3C46E8-61CC-4603-A589-7422A47A8E4A}"/>
+    </a:ext>
+  </a:extLst>
+</a:theme>
 </file>
--- a/Präsentation.pptx
+++ b/Präsentation.pptx
@@ -4,9 +4,6 @@
   <p:sldMasterIdLst>
     <p:sldMasterId id="2147483648" r:id="rId1"/>
   </p:sldMasterIdLst>
-  <p:notesMasterIdLst>
-    <p:notesMasterId r:id="rId7"/>
-  </p:notesMasterIdLst>
   <p:sldIdLst>
     <p:sldId id="256" r:id="rId2"/>
     <p:sldId id="259" r:id="rId3"/>
@@ -119,454 +116,6 @@
 </p:presentation>
 </file>
 
-<file path=ppt/commentAuthors.xml><?xml version="1.0" encoding="utf-8"?>
-<p:cmAuthorLst xmlns:a="http://schemas.openxmlformats.org/drawingml/2006/main" xmlns:r="http://schemas.openxmlformats.org/officeDocument/2006/relationships" xmlns:p="http://schemas.openxmlformats.org/presentationml/2006/main">
-  <p:cmAuthor id="1" name="Sebastian Leibold" initials="SL" lastIdx="1" clrIdx="0">
-    <p:extLst>
-      <p:ext uri="{19B8F6BF-5375-455C-9EA6-DF929625EA0E}">
-        <p15:presenceInfo xmlns:p15="http://schemas.microsoft.com/office/powerpoint/2012/main" userId="Sebastian Leibold" providerId="None"/>
-      </p:ext>
-    </p:extLst>
-  </p:cmAuthor>
-</p:cmAuthorLst>
-</file>
-
-<file path=ppt/notesMasters/notesMaster1.xml><?xml version="1.0" encoding="utf-8"?>
-<p:notesMaster xmlns:a="http://schemas.openxmlformats.org/drawingml/2006/main" xmlns:r="http://schemas.openxmlformats.org/officeDocument/2006/relationships" xmlns:p="http://schemas.openxmlformats.org/presentationml/2006/main">
-  <p:cSld>
-    <p:bg>
-      <p:bgRef idx="1001">
-        <a:schemeClr val="bg1"/>
-      </p:bgRef>
-    </p:bg>
-    <p:spTree>
-      <p:nvGrpSpPr>
-        <p:cNvPr id="1" name=""/>
-        <p:cNvGrpSpPr/>
-        <p:nvPr/>
-      </p:nvGrpSpPr>
-      <p:grpSpPr>
-        <a:xfrm>
-          <a:off x="0" y="0"/>
-          <a:ext cx="0" cy="0"/>
-          <a:chOff x="0" y="0"/>
-          <a:chExt cx="0" cy="0"/>
-        </a:xfrm>
-      </p:grpSpPr>
-      <p:sp>
-        <p:nvSpPr>
-          <p:cNvPr id="2" name="Kopfzeilenplatzhalter 1"/>
-          <p:cNvSpPr>
-            <a:spLocks noGrp="1"/>
-          </p:cNvSpPr>
-          <p:nvPr>
-            <p:ph type="hdr" sz="quarter"/>
-          </p:nvPr>
-        </p:nvSpPr>
-        <p:spPr>
-          <a:xfrm>
-            <a:off x="0" y="0"/>
-            <a:ext cx="2971800" cy="458788"/>
-          </a:xfrm>
-          <a:prstGeom prst="rect">
-            <a:avLst/>
-          </a:prstGeom>
-        </p:spPr>
-        <p:txBody>
-          <a:bodyPr vert="horz" lIns="91440" tIns="45720" rIns="91440" bIns="45720" rtlCol="0"/>
-          <a:lstStyle>
-            <a:lvl1pPr algn="l">
-              <a:defRPr sz="1200"/>
-            </a:lvl1pPr>
-          </a:lstStyle>
-          <a:p>
-            <a:endParaRPr lang="de-DE"/>
-          </a:p>
-        </p:txBody>
-      </p:sp>
-      <p:sp>
-        <p:nvSpPr>
-          <p:cNvPr id="3" name="Datumsplatzhalter 2"/>
-          <p:cNvSpPr>
-            <a:spLocks noGrp="1"/>
-          </p:cNvSpPr>
-          <p:nvPr>
-            <p:ph type="dt" idx="1"/>
-          </p:nvPr>
-        </p:nvSpPr>
-        <p:spPr>
-          <a:xfrm>
-            <a:off x="3884613" y="0"/>
-            <a:ext cx="2971800" cy="458788"/>
-          </a:xfrm>
-          <a:prstGeom prst="rect">
-            <a:avLst/>
-          </a:prstGeom>
-        </p:spPr>
-        <p:txBody>
-          <a:bodyPr vert="horz" lIns="91440" tIns="45720" rIns="91440" bIns="45720" rtlCol="0"/>
-          <a:lstStyle>
-            <a:lvl1pPr algn="r">
-              <a:defRPr sz="1200"/>
-            </a:lvl1pPr>
-          </a:lstStyle>
-          <a:p>
-            <a:fld id="{7687ED15-5AE0-411B-945A-C2786C9F6265}" type="datetimeFigureOut">
-              <a:rPr lang="de-DE" smtClean="0"/>
-              <a:t>22.06.2019</a:t>
-            </a:fld>
-            <a:endParaRPr lang="de-DE"/>
-          </a:p>
-        </p:txBody>
-      </p:sp>
-      <p:sp>
-        <p:nvSpPr>
-          <p:cNvPr id="4" name="Folienbildplatzhalter 3"/>
-          <p:cNvSpPr>
-            <a:spLocks noGrp="1" noRot="1" noChangeAspect="1"/>
-          </p:cNvSpPr>
-          <p:nvPr>
-            <p:ph type="sldImg" idx="2"/>
-          </p:nvPr>
-        </p:nvSpPr>
-        <p:spPr>
-          <a:xfrm>
-            <a:off x="685800" y="1143000"/>
-            <a:ext cx="5486400" cy="3086100"/>
-          </a:xfrm>
-          <a:prstGeom prst="rect">
-            <a:avLst/>
-          </a:prstGeom>
-          <a:noFill/>
-          <a:ln w="12700">
-            <a:solidFill>
-              <a:prstClr val="black"/>
-            </a:solidFill>
-          </a:ln>
-        </p:spPr>
-        <p:txBody>
-          <a:bodyPr vert="horz" lIns="91440" tIns="45720" rIns="91440" bIns="45720" rtlCol="0" anchor="ctr"/>
-          <a:lstStyle/>
-          <a:p>
-            <a:endParaRPr lang="de-DE"/>
-          </a:p>
-        </p:txBody>
-      </p:sp>
-      <p:sp>
-        <p:nvSpPr>
-          <p:cNvPr id="5" name="Notizenplatzhalter 4"/>
-          <p:cNvSpPr>
-            <a:spLocks noGrp="1"/>
-          </p:cNvSpPr>
-          <p:nvPr>
-            <p:ph type="body" sz="quarter" idx="3"/>
-          </p:nvPr>
-        </p:nvSpPr>
-        <p:spPr>
-          <a:xfrm>
-            <a:off x="685800" y="4400550"/>
-            <a:ext cx="5486400" cy="3600450"/>
-          </a:xfrm>
-          <a:prstGeom prst="rect">
-            <a:avLst/>
-          </a:prstGeom>
-        </p:spPr>
-        <p:txBody>
-          <a:bodyPr vert="horz" lIns="91440" tIns="45720" rIns="91440" bIns="45720" rtlCol="0"/>
-          <a:lstStyle/>
-          <a:p>
-            <a:pPr lvl="0"/>
-            <a:r>
-              <a:rPr lang="de-DE"/>
-              <a:t>Mastertextformat bearbeiten</a:t>
-            </a:r>
-          </a:p>
-          <a:p>
-            <a:pPr lvl="1"/>
-            <a:r>
-              <a:rPr lang="de-DE"/>
-              <a:t>Zweite Ebene</a:t>
-            </a:r>
-          </a:p>
-          <a:p>
-            <a:pPr lvl="2"/>
-            <a:r>
-              <a:rPr lang="de-DE"/>
-              <a:t>Dritte Ebene</a:t>
-            </a:r>
-          </a:p>
-          <a:p>
-            <a:pPr lvl="3"/>
-            <a:r>
-              <a:rPr lang="de-DE"/>
-              <a:t>Vierte Ebene</a:t>
-            </a:r>
-          </a:p>
-          <a:p>
-            <a:pPr lvl="4"/>
-            <a:r>
-              <a:rPr lang="de-DE"/>
-              <a:t>Fünfte Ebene</a:t>
-            </a:r>
-          </a:p>
-        </p:txBody>
-      </p:sp>
-      <p:sp>
-        <p:nvSpPr>
-          <p:cNvPr id="6" name="Fußzeilenplatzhalter 5"/>
-          <p:cNvSpPr>
-            <a:spLocks noGrp="1"/>
-          </p:cNvSpPr>
-          <p:nvPr>
-            <p:ph type="ftr" sz="quarter" idx="4"/>
-          </p:nvPr>
-        </p:nvSpPr>
-        <p:spPr>
-          <a:xfrm>
-            <a:off x="0" y="8685213"/>
-            <a:ext cx="2971800" cy="458787"/>
-          </a:xfrm>
-          <a:prstGeom prst="rect">
-            <a:avLst/>
-          </a:prstGeom>
-        </p:spPr>
-        <p:txBody>
-          <a:bodyPr vert="horz" lIns="91440" tIns="45720" rIns="91440" bIns="45720" rtlCol="0" anchor="b"/>
-          <a:lstStyle>
-            <a:lvl1pPr algn="l">
-              <a:defRPr sz="1200"/>
-            </a:lvl1pPr>
-          </a:lstStyle>
-          <a:p>
-            <a:endParaRPr lang="de-DE"/>
-          </a:p>
-        </p:txBody>
-      </p:sp>
-      <p:sp>
-        <p:nvSpPr>
-          <p:cNvPr id="7" name="Foliennummernplatzhalter 6"/>
-          <p:cNvSpPr>
-            <a:spLocks noGrp="1"/>
-          </p:cNvSpPr>
-          <p:nvPr>
-            <p:ph type="sldNum" sz="quarter" idx="5"/>
-          </p:nvPr>
-        </p:nvSpPr>
-        <p:spPr>
-          <a:xfrm>
-            <a:off x="3884613" y="8685213"/>
-            <a:ext cx="2971800" cy="458787"/>
-          </a:xfrm>
-          <a:prstGeom prst="rect">
-            <a:avLst/>
-          </a:prstGeom>
-        </p:spPr>
-        <p:txBody>
-          <a:bodyPr vert="horz" lIns="91440" tIns="45720" rIns="91440" bIns="45720" rtlCol="0" anchor="b"/>
-          <a:lstStyle>
-            <a:lvl1pPr algn="r">
-              <a:defRPr sz="1200"/>
-            </a:lvl1pPr>
-          </a:lstStyle>
-          <a:p>
-            <a:fld id="{7AB2119E-25D8-4A9F-BDD7-EF50B7B2F266}" type="slidenum">
-              <a:rPr lang="de-DE" smtClean="0"/>
-              <a:t>‹Nr.›</a:t>
-            </a:fld>
-            <a:endParaRPr lang="de-DE"/>
-          </a:p>
-        </p:txBody>
-      </p:sp>
-    </p:spTree>
-    <p:extLst>
-      <p:ext uri="{BB962C8B-B14F-4D97-AF65-F5344CB8AC3E}">
-        <p14:creationId xmlns:p14="http://schemas.microsoft.com/office/powerpoint/2010/main" val="3648615044"/>
-      </p:ext>
-    </p:extLst>
-  </p:cSld>
-  <p:clrMap bg1="lt1" tx1="dk1" bg2="lt2" tx2="dk2" accent1="accent1" accent2="accent2" accent3="accent3" accent4="accent4" accent5="accent5" accent6="accent6" hlink="hlink" folHlink="folHlink"/>
-  <p:notesStyle>
-    <a:lvl1pPr marL="0" algn="l" defTabSz="914400" rtl="0" eaLnBrk="1" latinLnBrk="0" hangingPunct="1">
-      <a:defRPr sz="1200" kern="1200">
-        <a:solidFill>
-          <a:schemeClr val="tx1"/>
-        </a:solidFill>
-        <a:latin typeface="+mn-lt"/>
-        <a:ea typeface="+mn-ea"/>
-        <a:cs typeface="+mn-cs"/>
-      </a:defRPr>
-    </a:lvl1pPr>
-    <a:lvl2pPr marL="457200" algn="l" defTabSz="914400" rtl="0" eaLnBrk="1" latinLnBrk="0" hangingPunct="1">
-      <a:defRPr sz="1200" kern="1200">
-        <a:solidFill>
-          <a:schemeClr val="tx1"/>
-        </a:solidFill>
-        <a:latin typeface="+mn-lt"/>
-        <a:ea typeface="+mn-ea"/>
-        <a:cs typeface="+mn-cs"/>
-      </a:defRPr>
-    </a:lvl2pPr>
-    <a:lvl3pPr marL="914400" algn="l" defTabSz="914400" rtl="0" eaLnBrk="1" latinLnBrk="0" hangingPunct="1">
-      <a:defRPr sz="1200" kern="1200">
-        <a:solidFill>
-          <a:schemeClr val="tx1"/>
-        </a:solidFill>
-        <a:latin typeface="+mn-lt"/>
-        <a:ea typeface="+mn-ea"/>
-        <a:cs typeface="+mn-cs"/>
-      </a:defRPr>
-    </a:lvl3pPr>
-    <a:lvl4pPr marL="1371600" algn="l" defTabSz="914400" rtl="0" eaLnBrk="1" latinLnBrk="0" hangingPunct="1">
-      <a:defRPr sz="1200" kern="1200">
-        <a:solidFill>
-          <a:schemeClr val="tx1"/>
-        </a:solidFill>
-        <a:latin typeface="+mn-lt"/>
-        <a:ea typeface="+mn-ea"/>
-        <a:cs typeface="+mn-cs"/>
-      </a:defRPr>
-    </a:lvl4pPr>
-    <a:lvl5pPr marL="1828800" algn="l" defTabSz="914400" rtl="0" eaLnBrk="1" latinLnBrk="0" hangingPunct="1">
-      <a:defRPr sz="1200" kern="1200">
-        <a:solidFill>
-          <a:schemeClr val="tx1"/>
-        </a:solidFill>
-        <a:latin typeface="+mn-lt"/>
-        <a:ea typeface="+mn-ea"/>
-        <a:cs typeface="+mn-cs"/>
-      </a:defRPr>
-    </a:lvl5pPr>
-    <a:lvl6pPr marL="2286000" algn="l" defTabSz="914400" rtl="0" eaLnBrk="1" latinLnBrk="0" hangingPunct="1">
-      <a:defRPr sz="1200" kern="1200">
-        <a:solidFill>
-          <a:schemeClr val="tx1"/>
-        </a:solidFill>
-        <a:latin typeface="+mn-lt"/>
-        <a:ea typeface="+mn-ea"/>
-        <a:cs typeface="+mn-cs"/>
-      </a:defRPr>
-    </a:lvl6pPr>
-    <a:lvl7pPr marL="2743200" algn="l" defTabSz="914400" rtl="0" eaLnBrk="1" latinLnBrk="0" hangingPunct="1">
-      <a:defRPr sz="1200" kern="1200">
-        <a:solidFill>
-          <a:schemeClr val="tx1"/>
-        </a:solidFill>
-        <a:latin typeface="+mn-lt"/>
-        <a:ea typeface="+mn-ea"/>
-        <a:cs typeface="+mn-cs"/>
-      </a:defRPr>
-    </a:lvl7pPr>
-    <a:lvl8pPr marL="3200400" algn="l" defTabSz="914400" rtl="0" eaLnBrk="1" latinLnBrk="0" hangingPunct="1">
-      <a:defRPr sz="1200" kern="1200">
-        <a:solidFill>
-          <a:schemeClr val="tx1"/>
-        </a:solidFill>
-        <a:latin typeface="+mn-lt"/>
-        <a:ea typeface="+mn-ea"/>
-        <a:cs typeface="+mn-cs"/>
-      </a:defRPr>
-    </a:lvl8pPr>
-    <a:lvl9pPr marL="3657600" algn="l" defTabSz="914400" rtl="0" eaLnBrk="1" latinLnBrk="0" hangingPunct="1">
-      <a:defRPr sz="1200" kern="1200">
-        <a:solidFill>
-          <a:schemeClr val="tx1"/>
-        </a:solidFill>
-        <a:latin typeface="+mn-lt"/>
-        <a:ea typeface="+mn-ea"/>
-        <a:cs typeface="+mn-cs"/>
-      </a:defRPr>
-    </a:lvl9pPr>
-  </p:notesStyle>
-</p:notesMaster>
-</file>
-
-<file path=ppt/notesSlides/notesSlide1.xml><?xml version="1.0" encoding="utf-8"?>
-<p:notes xmlns:a="http://schemas.openxmlformats.org/drawingml/2006/main" xmlns:r="http://schemas.openxmlformats.org/officeDocument/2006/relationships" xmlns:p="http://schemas.openxmlformats.org/presentationml/2006/main">
-  <p:cSld>
-    <p:spTree>
-      <p:nvGrpSpPr>
-        <p:cNvPr id="1" name=""/>
-        <p:cNvGrpSpPr/>
-        <p:nvPr/>
-      </p:nvGrpSpPr>
-      <p:grpSpPr>
-        <a:xfrm>
-          <a:off x="0" y="0"/>
-          <a:ext cx="0" cy="0"/>
-          <a:chOff x="0" y="0"/>
-          <a:chExt cx="0" cy="0"/>
-        </a:xfrm>
-      </p:grpSpPr>
-      <p:sp>
-        <p:nvSpPr>
-          <p:cNvPr id="2" name="Folienbildplatzhalter 1"/>
-          <p:cNvSpPr>
-            <a:spLocks noGrp="1" noRot="1" noChangeAspect="1"/>
-          </p:cNvSpPr>
-          <p:nvPr>
-            <p:ph type="sldImg"/>
-          </p:nvPr>
-        </p:nvSpPr>
-        <p:spPr/>
-      </p:sp>
-      <p:sp>
-        <p:nvSpPr>
-          <p:cNvPr id="3" name="Notizenplatzhalter 2"/>
-          <p:cNvSpPr>
-            <a:spLocks noGrp="1"/>
-          </p:cNvSpPr>
-          <p:nvPr>
-            <p:ph type="body" idx="1"/>
-          </p:nvPr>
-        </p:nvSpPr>
-        <p:spPr/>
-        <p:txBody>
-          <a:bodyPr/>
-          <a:lstStyle/>
-          <a:p>
-            <a:r>
-              <a:rPr lang="de-DE" dirty="0"/>
-              <a:t>Große Konkurrenz ist und jetzt nicht bekannt, aber wir behaupten jetzt einfach mal dem wäre so, dann ist unsere App sicherlich einfacher zu bedienen, unterstützt die nötigen Grundfunktionalitäten und liefert trotzdem qualitative hochwertige Resultate. </a:t>
-            </a:r>
-          </a:p>
-        </p:txBody>
-      </p:sp>
-      <p:sp>
-        <p:nvSpPr>
-          <p:cNvPr id="4" name="Foliennummernplatzhalter 3"/>
-          <p:cNvSpPr>
-            <a:spLocks noGrp="1"/>
-          </p:cNvSpPr>
-          <p:nvPr>
-            <p:ph type="sldNum" sz="quarter" idx="5"/>
-          </p:nvPr>
-        </p:nvSpPr>
-        <p:spPr/>
-        <p:txBody>
-          <a:bodyPr/>
-          <a:lstStyle/>
-          <a:p>
-            <a:fld id="{7AB2119E-25D8-4A9F-BDD7-EF50B7B2F266}" type="slidenum">
-              <a:rPr lang="de-DE" smtClean="0"/>
-              <a:t>1</a:t>
-            </a:fld>
-            <a:endParaRPr lang="de-DE"/>
-          </a:p>
-        </p:txBody>
-      </p:sp>
-    </p:spTree>
-    <p:extLst>
-      <p:ext uri="{BB962C8B-B14F-4D97-AF65-F5344CB8AC3E}">
-        <p14:creationId xmlns:p14="http://schemas.microsoft.com/office/powerpoint/2010/main" val="51732840"/>
-      </p:ext>
-    </p:extLst>
-  </p:cSld>
-  <p:clrMapOvr>
-    <a:masterClrMapping/>
-  </p:clrMapOvr>
-</p:notes>
-</file>
-
 <file path=ppt/slideLayouts/slideLayout1.xml><?xml version="1.0" encoding="utf-8"?>
 <p:sldLayout xmlns:a="http://schemas.openxmlformats.org/drawingml/2006/main" xmlns:r="http://schemas.openxmlformats.org/officeDocument/2006/relationships" xmlns:p="http://schemas.openxmlformats.org/presentationml/2006/main" type="title" preserve="1">
   <p:cSld name="Title Slide">
@@ -716,7 +265,7 @@
           <a:p>
             <a:fld id="{C6FAC349-FD3D-4654-B5D5-3135EE32249F}" type="datetimeFigureOut">
               <a:rPr lang="de-DE" smtClean="0"/>
-              <a:t>22.06.2019</a:t>
+              <a:t>23.06.2019</a:t>
             </a:fld>
             <a:endParaRPr lang="de-DE"/>
           </a:p>
@@ -770,7 +319,7 @@
           <a:p>
             <a:fld id="{6EB1F643-D576-490F-9ADB-529C6C74D43F}" type="slidenum">
               <a:rPr lang="de-DE" smtClean="0"/>
-              <a:t>‹Nr.›</a:t>
+              <a:t>‹#›</a:t>
             </a:fld>
             <a:endParaRPr lang="de-DE"/>
           </a:p>
@@ -786,6 +335,9 @@
   <p:clrMapOvr>
     <a:masterClrMapping/>
   </p:clrMapOvr>
+  <p:transition spd="slow">
+    <p:push dir="u"/>
+  </p:transition>
 </p:sldLayout>
 </file>
 
@@ -916,7 +468,7 @@
           <a:p>
             <a:fld id="{C6FAC349-FD3D-4654-B5D5-3135EE32249F}" type="datetimeFigureOut">
               <a:rPr lang="de-DE" smtClean="0"/>
-              <a:t>22.06.2019</a:t>
+              <a:t>23.06.2019</a:t>
             </a:fld>
             <a:endParaRPr lang="de-DE"/>
           </a:p>
@@ -970,7 +522,7 @@
           <a:p>
             <a:fld id="{6EB1F643-D576-490F-9ADB-529C6C74D43F}" type="slidenum">
               <a:rPr lang="de-DE" smtClean="0"/>
-              <a:t>‹Nr.›</a:t>
+              <a:t>‹#›</a:t>
             </a:fld>
             <a:endParaRPr lang="de-DE"/>
           </a:p>
@@ -986,6 +538,9 @@
   <p:clrMapOvr>
     <a:masterClrMapping/>
   </p:clrMapOvr>
+  <p:transition spd="slow">
+    <p:push dir="u"/>
+  </p:transition>
 </p:sldLayout>
 </file>
 
@@ -1126,7 +681,7 @@
           <a:p>
             <a:fld id="{C6FAC349-FD3D-4654-B5D5-3135EE32249F}" type="datetimeFigureOut">
               <a:rPr lang="de-DE" smtClean="0"/>
-              <a:t>22.06.2019</a:t>
+              <a:t>23.06.2019</a:t>
             </a:fld>
             <a:endParaRPr lang="de-DE"/>
           </a:p>
@@ -1180,7 +735,7 @@
           <a:p>
             <a:fld id="{6EB1F643-D576-490F-9ADB-529C6C74D43F}" type="slidenum">
               <a:rPr lang="de-DE" smtClean="0"/>
-              <a:t>‹Nr.›</a:t>
+              <a:t>‹#›</a:t>
             </a:fld>
             <a:endParaRPr lang="de-DE"/>
           </a:p>
@@ -1196,6 +751,9 @@
   <p:clrMapOvr>
     <a:masterClrMapping/>
   </p:clrMapOvr>
+  <p:transition spd="slow">
+    <p:push dir="u"/>
+  </p:transition>
 </p:sldLayout>
 </file>
 
@@ -1326,7 +884,7 @@
           <a:p>
             <a:fld id="{C6FAC349-FD3D-4654-B5D5-3135EE32249F}" type="datetimeFigureOut">
               <a:rPr lang="de-DE" smtClean="0"/>
-              <a:t>22.06.2019</a:t>
+              <a:t>23.06.2019</a:t>
             </a:fld>
             <a:endParaRPr lang="de-DE"/>
           </a:p>
@@ -1380,7 +938,7 @@
           <a:p>
             <a:fld id="{6EB1F643-D576-490F-9ADB-529C6C74D43F}" type="slidenum">
               <a:rPr lang="de-DE" smtClean="0"/>
-              <a:t>‹Nr.›</a:t>
+              <a:t>‹#›</a:t>
             </a:fld>
             <a:endParaRPr lang="de-DE"/>
           </a:p>
@@ -1396,6 +954,9 @@
   <p:clrMapOvr>
     <a:masterClrMapping/>
   </p:clrMapOvr>
+  <p:transition spd="slow">
+    <p:push dir="u"/>
+  </p:transition>
 </p:sldLayout>
 </file>
 
@@ -1602,7 +1163,7 @@
           <a:p>
             <a:fld id="{C6FAC349-FD3D-4654-B5D5-3135EE32249F}" type="datetimeFigureOut">
               <a:rPr lang="de-DE" smtClean="0"/>
-              <a:t>22.06.2019</a:t>
+              <a:t>23.06.2019</a:t>
             </a:fld>
             <a:endParaRPr lang="de-DE"/>
           </a:p>
@@ -1656,7 +1217,7 @@
           <a:p>
             <a:fld id="{6EB1F643-D576-490F-9ADB-529C6C74D43F}" type="slidenum">
               <a:rPr lang="de-DE" smtClean="0"/>
-              <a:t>‹Nr.›</a:t>
+              <a:t>‹#›</a:t>
             </a:fld>
             <a:endParaRPr lang="de-DE"/>
           </a:p>
@@ -1672,6 +1233,9 @@
   <p:clrMapOvr>
     <a:masterClrMapping/>
   </p:clrMapOvr>
+  <p:transition spd="slow">
+    <p:push dir="u"/>
+  </p:transition>
 </p:sldLayout>
 </file>
 
@@ -1870,7 +1434,7 @@
           <a:p>
             <a:fld id="{C6FAC349-FD3D-4654-B5D5-3135EE32249F}" type="datetimeFigureOut">
               <a:rPr lang="de-DE" smtClean="0"/>
-              <a:t>22.06.2019</a:t>
+              <a:t>23.06.2019</a:t>
             </a:fld>
             <a:endParaRPr lang="de-DE"/>
           </a:p>
@@ -1924,7 +1488,7 @@
           <a:p>
             <a:fld id="{6EB1F643-D576-490F-9ADB-529C6C74D43F}" type="slidenum">
               <a:rPr lang="de-DE" smtClean="0"/>
-              <a:t>‹Nr.›</a:t>
+              <a:t>‹#›</a:t>
             </a:fld>
             <a:endParaRPr lang="de-DE"/>
           </a:p>
@@ -1940,6 +1504,9 @@
   <p:clrMapOvr>
     <a:masterClrMapping/>
   </p:clrMapOvr>
+  <p:transition spd="slow">
+    <p:push dir="u"/>
+  </p:transition>
 </p:sldLayout>
 </file>
 
@@ -2285,7 +1852,7 @@
           <a:p>
             <a:fld id="{C6FAC349-FD3D-4654-B5D5-3135EE32249F}" type="datetimeFigureOut">
               <a:rPr lang="de-DE" smtClean="0"/>
-              <a:t>22.06.2019</a:t>
+              <a:t>23.06.2019</a:t>
             </a:fld>
             <a:endParaRPr lang="de-DE"/>
           </a:p>
@@ -2339,7 +1906,7 @@
           <a:p>
             <a:fld id="{6EB1F643-D576-490F-9ADB-529C6C74D43F}" type="slidenum">
               <a:rPr lang="de-DE" smtClean="0"/>
-              <a:t>‹Nr.›</a:t>
+              <a:t>‹#›</a:t>
             </a:fld>
             <a:endParaRPr lang="de-DE"/>
           </a:p>
@@ -2355,6 +1922,9 @@
   <p:clrMapOvr>
     <a:masterClrMapping/>
   </p:clrMapOvr>
+  <p:transition spd="slow">
+    <p:push dir="u"/>
+  </p:transition>
 </p:sldLayout>
 </file>
 
@@ -2427,7 +1997,7 @@
           <a:p>
             <a:fld id="{C6FAC349-FD3D-4654-B5D5-3135EE32249F}" type="datetimeFigureOut">
               <a:rPr lang="de-DE" smtClean="0"/>
-              <a:t>22.06.2019</a:t>
+              <a:t>23.06.2019</a:t>
             </a:fld>
             <a:endParaRPr lang="de-DE"/>
           </a:p>
@@ -2481,7 +2051,7 @@
           <a:p>
             <a:fld id="{6EB1F643-D576-490F-9ADB-529C6C74D43F}" type="slidenum">
               <a:rPr lang="de-DE" smtClean="0"/>
-              <a:t>‹Nr.›</a:t>
+              <a:t>‹#›</a:t>
             </a:fld>
             <a:endParaRPr lang="de-DE"/>
           </a:p>
@@ -2497,6 +2067,9 @@
   <p:clrMapOvr>
     <a:masterClrMapping/>
   </p:clrMapOvr>
+  <p:transition spd="slow">
+    <p:push dir="u"/>
+  </p:transition>
 </p:sldLayout>
 </file>
 
@@ -2540,7 +2113,7 @@
           <a:p>
             <a:fld id="{C6FAC349-FD3D-4654-B5D5-3135EE32249F}" type="datetimeFigureOut">
               <a:rPr lang="de-DE" smtClean="0"/>
-              <a:t>22.06.2019</a:t>
+              <a:t>23.06.2019</a:t>
             </a:fld>
             <a:endParaRPr lang="de-DE"/>
           </a:p>
@@ -2594,7 +2167,7 @@
           <a:p>
             <a:fld id="{6EB1F643-D576-490F-9ADB-529C6C74D43F}" type="slidenum">
               <a:rPr lang="de-DE" smtClean="0"/>
-              <a:t>‹Nr.›</a:t>
+              <a:t>‹#›</a:t>
             </a:fld>
             <a:endParaRPr lang="de-DE"/>
           </a:p>
@@ -2610,6 +2183,9 @@
   <p:clrMapOvr>
     <a:masterClrMapping/>
   </p:clrMapOvr>
+  <p:transition spd="slow">
+    <p:push dir="u"/>
+  </p:transition>
 </p:sldLayout>
 </file>
 
@@ -2853,7 +2429,7 @@
           <a:p>
             <a:fld id="{C6FAC349-FD3D-4654-B5D5-3135EE32249F}" type="datetimeFigureOut">
               <a:rPr lang="de-DE" smtClean="0"/>
-              <a:t>22.06.2019</a:t>
+              <a:t>23.06.2019</a:t>
             </a:fld>
             <a:endParaRPr lang="de-DE"/>
           </a:p>
@@ -2907,7 +2483,7 @@
           <a:p>
             <a:fld id="{6EB1F643-D576-490F-9ADB-529C6C74D43F}" type="slidenum">
               <a:rPr lang="de-DE" smtClean="0"/>
-              <a:t>‹Nr.›</a:t>
+              <a:t>‹#›</a:t>
             </a:fld>
             <a:endParaRPr lang="de-DE"/>
           </a:p>
@@ -2923,6 +2499,9 @@
   <p:clrMapOvr>
     <a:masterClrMapping/>
   </p:clrMapOvr>
+  <p:transition spd="slow">
+    <p:push dir="u"/>
+  </p:transition>
 </p:sldLayout>
 </file>
 
@@ -3142,7 +2721,7 @@
           <a:p>
             <a:fld id="{C6FAC349-FD3D-4654-B5D5-3135EE32249F}" type="datetimeFigureOut">
               <a:rPr lang="de-DE" smtClean="0"/>
-              <a:t>22.06.2019</a:t>
+              <a:t>23.06.2019</a:t>
             </a:fld>
             <a:endParaRPr lang="de-DE"/>
           </a:p>
@@ -3196,7 +2775,7 @@
           <a:p>
             <a:fld id="{6EB1F643-D576-490F-9ADB-529C6C74D43F}" type="slidenum">
               <a:rPr lang="de-DE" smtClean="0"/>
-              <a:t>‹Nr.›</a:t>
+              <a:t>‹#›</a:t>
             </a:fld>
             <a:endParaRPr lang="de-DE"/>
           </a:p>
@@ -3212,6 +2791,9 @@
   <p:clrMapOvr>
     <a:masterClrMapping/>
   </p:clrMapOvr>
+  <p:transition spd="slow">
+    <p:push dir="u"/>
+  </p:transition>
 </p:sldLayout>
 </file>
 
@@ -3385,7 +2967,7 @@
           <a:p>
             <a:fld id="{C6FAC349-FD3D-4654-B5D5-3135EE32249F}" type="datetimeFigureOut">
               <a:rPr lang="de-DE" smtClean="0"/>
-              <a:t>22.06.2019</a:t>
+              <a:t>23.06.2019</a:t>
             </a:fld>
             <a:endParaRPr lang="de-DE"/>
           </a:p>
@@ -3475,7 +3057,7 @@
           <a:p>
             <a:fld id="{6EB1F643-D576-490F-9ADB-529C6C74D43F}" type="slidenum">
               <a:rPr lang="de-DE" smtClean="0"/>
-              <a:t>‹Nr.›</a:t>
+              <a:t>‹#›</a:t>
             </a:fld>
             <a:endParaRPr lang="de-DE"/>
           </a:p>
@@ -3502,6 +3084,9 @@
     <p:sldLayoutId id="2147483658" r:id="rId10"/>
     <p:sldLayoutId id="2147483659" r:id="rId11"/>
   </p:sldLayoutIdLst>
+  <p:transition spd="slow">
+    <p:push dir="u"/>
+  </p:transition>
   <p:txStyles>
     <p:titleStyle>
       <a:lvl1pPr algn="l" defTabSz="914400" rtl="0" eaLnBrk="1" latinLnBrk="0" hangingPunct="1">
@@ -3847,20 +3432,30 @@
             <p:ph type="subTitle" idx="1"/>
           </p:nvPr>
         </p:nvSpPr>
-        <p:spPr/>
-        <p:txBody>
-          <a:bodyPr/>
+        <p:spPr>
+          <a:xfrm>
+            <a:off x="0" y="3912431"/>
+            <a:ext cx="12192000" cy="1655762"/>
+          </a:xfrm>
+        </p:spPr>
+        <p:txBody>
+          <a:bodyPr>
+            <a:normAutofit/>
+          </a:bodyPr>
           <a:lstStyle/>
           <a:p>
             <a:r>
               <a:rPr lang="de-DE" dirty="0"/>
-              <a:t>Genervt vom dauernden Lautstärkeregeln während die eigene Playlist durchläuft?</a:t>
-            </a:r>
+              <a:t>Genervt davon, ständig die Lautstärke anzupassen, während die eigene Playlist läuft?</a:t>
+            </a:r>
+          </a:p>
+          <a:p>
+            <a:endParaRPr lang="de-DE" dirty="0"/>
           </a:p>
           <a:p>
             <a:r>
               <a:rPr lang="de-DE" dirty="0"/>
-              <a:t>Dann haben wir hier die Lösung deines Problems, denn unser Programm passt die Lautstärke deiner Lieder aufeinander ab.</a:t>
+              <a:t>Dann haben wir die Lösung, denn unser Programm gleicht die Lautstärken aus.</a:t>
             </a:r>
           </a:p>
         </p:txBody>
@@ -3875,6 +3470,9 @@
   <p:clrMapOvr>
     <a:masterClrMapping/>
   </p:clrMapOvr>
+  <p:transition spd="slow">
+    <p:push dir="u"/>
+  </p:transition>
 </p:sld>
 </file>
 
@@ -3944,74 +3542,37 @@
           <a:bodyPr/>
           <a:lstStyle/>
           <a:p>
+            <a:pPr marL="0" indent="0">
+              <a:buNone/>
+            </a:pPr>
             <a:r>
               <a:rPr lang="de-DE" dirty="0"/>
               <a:t>Lautstärkenausgleich mehrerer Audiodateien, d. h.:</a:t>
             </a:r>
           </a:p>
           <a:p>
-            <a:pPr lvl="1">
-              <a:buBlip>
-                <a:blip r:embed="rId2">
-                  <a:extLst>
-                    <a:ext uri="{837473B0-CC2E-450A-ABE3-18F120FF3D39}">
-                      <a1611:picAttrSrcUrl xmlns:a1611="http://schemas.microsoft.com/office/drawing/2016/11/main" r:id="rId3"/>
-                    </a:ext>
-                  </a:extLst>
-                </a:blip>
-              </a:buBlip>
-            </a:pPr>
+            <a:pPr lvl="1"/>
             <a:r>
               <a:rPr lang="de-DE" dirty="0"/>
               <a:t>Einlesen und Dekodieren</a:t>
             </a:r>
           </a:p>
           <a:p>
-            <a:pPr lvl="1">
-              <a:buBlip>
-                <a:blip r:embed="rId2">
-                  <a:extLst>
-                    <a:ext uri="{837473B0-CC2E-450A-ABE3-18F120FF3D39}">
-                      <a1611:picAttrSrcUrl xmlns:a1611="http://schemas.microsoft.com/office/drawing/2016/11/main" r:id="rId3"/>
-                    </a:ext>
-                  </a:extLst>
-                </a:blip>
-              </a:buBlip>
-            </a:pPr>
+            <a:pPr lvl="1"/>
             <a:r>
               <a:rPr lang="de-DE" dirty="0"/>
-              <a:t>Lautstärkendurchschnitt berechnen</a:t>
-            </a:r>
-          </a:p>
-          <a:p>
-            <a:pPr lvl="1">
-              <a:buBlip>
-                <a:blip r:embed="rId2">
-                  <a:extLst>
-                    <a:ext uri="{837473B0-CC2E-450A-ABE3-18F120FF3D39}">
-                      <a1611:picAttrSrcUrl xmlns:a1611="http://schemas.microsoft.com/office/drawing/2016/11/main" r:id="rId3"/>
-                    </a:ext>
-                  </a:extLst>
-                </a:blip>
-              </a:buBlip>
-            </a:pPr>
+              <a:t>Durchschnitt berechnen</a:t>
+            </a:r>
+          </a:p>
+          <a:p>
+            <a:pPr lvl="1"/>
             <a:r>
               <a:rPr lang="de-DE" dirty="0"/>
-              <a:t>Lautstärke anpassen</a:t>
-            </a:r>
-          </a:p>
-          <a:p>
-            <a:pPr lvl="1">
-              <a:buBlip>
-                <a:blip r:embed="rId2">
-                  <a:extLst>
-                    <a:ext uri="{837473B0-CC2E-450A-ABE3-18F120FF3D39}">
-                      <a1611:picAttrSrcUrl xmlns:a1611="http://schemas.microsoft.com/office/drawing/2016/11/main" r:id="rId3"/>
-                    </a:ext>
-                  </a:extLst>
-                </a:blip>
-              </a:buBlip>
-            </a:pPr>
+              <a:t>Lautstärken anpassen</a:t>
+            </a:r>
+          </a:p>
+          <a:p>
+            <a:pPr lvl="1"/>
             <a:r>
               <a:rPr lang="de-DE" dirty="0"/>
               <a:t>Enkodieren und Schreiben</a:t>
@@ -4029,6 +3590,9 @@
   <p:clrMapOvr>
     <a:masterClrMapping/>
   </p:clrMapOvr>
+  <p:transition spd="slow">
+    <p:push dir="u"/>
+  </p:transition>
 </p:sld>
 </file>
 
@@ -4063,7 +3627,7 @@
           </p:cNvPicPr>
           <p:nvPr/>
         </p:nvPicPr>
-        <p:blipFill rotWithShape="1">
+        <p:blipFill>
           <a:blip r:embed="rId2">
             <a:extLst>
               <a:ext uri="{28A0092B-C50C-407E-A947-70E740481C1C}">
@@ -4074,13 +3638,14 @@
               </a:ext>
             </a:extLst>
           </a:blip>
-          <a:srcRect l="2" r="11417"/>
-          <a:stretch/>
+          <a:stretch>
+            <a:fillRect/>
+          </a:stretch>
         </p:blipFill>
         <p:spPr>
           <a:xfrm>
-            <a:off x="367093" y="741387"/>
-            <a:ext cx="11457814" cy="5918152"/>
+            <a:off x="0" y="606254"/>
+            <a:ext cx="12192000" cy="5578380"/>
           </a:xfrm>
           <a:prstGeom prst="rect">
             <a:avLst/>
@@ -4089,10 +3654,10 @@
       </p:pic>
       <p:sp>
         <p:nvSpPr>
-          <p:cNvPr id="4" name="Title 1">
-            <a:extLst>
-              <a:ext uri="{FF2B5EF4-FFF2-40B4-BE49-F238E27FC236}">
-                <a16:creationId xmlns:a16="http://schemas.microsoft.com/office/drawing/2014/main" id="{179ADAF2-B109-4311-AA83-F27E965A3193}"/>
+          <p:cNvPr id="3" name="Title 1">
+            <a:extLst>
+              <a:ext uri="{FF2B5EF4-FFF2-40B4-BE49-F238E27FC236}">
+                <a16:creationId xmlns:a16="http://schemas.microsoft.com/office/drawing/2014/main" id="{3FC4456E-6DB5-4901-B925-97618C5F5CA7}"/>
               </a:ext>
             </a:extLst>
           </p:cNvPr>
@@ -4103,7 +3668,7 @@
         </p:nvSpPr>
         <p:spPr>
           <a:xfrm>
-            <a:off x="838200" y="741387"/>
+            <a:off x="838200" y="365125"/>
             <a:ext cx="10515600" cy="1325563"/>
           </a:xfrm>
           <a:prstGeom prst="rect">
@@ -4111,7 +3676,7 @@
           </a:prstGeom>
         </p:spPr>
         <p:txBody>
-          <a:bodyPr/>
+          <a:bodyPr anchor="ctr" anchorCtr="0"/>
           <a:lstStyle>
             <a:lvl1pPr algn="l" defTabSz="914400" rtl="0" eaLnBrk="1" latinLnBrk="0" hangingPunct="1">
               <a:lnSpc>
@@ -4134,7 +3699,7 @@
           <a:p>
             <a:r>
               <a:rPr lang="de-DE" dirty="0"/>
-              <a:t>Das Klassendiagram:</a:t>
+              <a:t>Klassendiagramm</a:t>
             </a:r>
           </a:p>
         </p:txBody>
@@ -4149,6 +3714,9 @@
   <p:clrMapOvr>
     <a:masterClrMapping/>
   </p:clrMapOvr>
+  <p:transition spd="slow">
+    <p:push dir="u"/>
+  </p:transition>
 </p:sld>
 </file>
 
@@ -4169,58 +3737,39 @@
           <a:chExt cx="0" cy="0"/>
         </a:xfrm>
       </p:grpSpPr>
-      <p:sp>
-        <p:nvSpPr>
-          <p:cNvPr id="2" name="Title 1">
-            <a:extLst>
-              <a:ext uri="{FF2B5EF4-FFF2-40B4-BE49-F238E27FC236}">
-                <a16:creationId xmlns:a16="http://schemas.microsoft.com/office/drawing/2014/main" id="{9855DF6A-5C41-495C-9CFE-C330A9E51627}"/>
-              </a:ext>
-            </a:extLst>
-          </p:cNvPr>
-          <p:cNvSpPr txBox="1">
-            <a:spLocks/>
-          </p:cNvSpPr>
-          <p:nvPr/>
-        </p:nvSpPr>
+      <p:pic>
+        <p:nvPicPr>
+          <p:cNvPr id="3" name="Online Media 2" title="ezWAVnormalizer">
+            <a:hlinkClick r:id="" action="ppaction://media"/>
+            <a:extLst>
+              <a:ext uri="{FF2B5EF4-FFF2-40B4-BE49-F238E27FC236}">
+                <a16:creationId xmlns:a16="http://schemas.microsoft.com/office/drawing/2014/main" id="{756E4AB0-373B-4B0F-8335-0EB00D72B1AD}"/>
+              </a:ext>
+            </a:extLst>
+          </p:cNvPr>
+          <p:cNvPicPr>
+            <a:picLocks noRot="1" noChangeAspect="1"/>
+          </p:cNvPicPr>
+          <p:nvPr>
+            <a:videoFile r:link="rId1"/>
+          </p:nvPr>
+        </p:nvPicPr>
+        <p:blipFill>
+          <a:blip r:embed="rId3"/>
+          <a:stretch>
+            <a:fillRect/>
+          </a:stretch>
+        </p:blipFill>
         <p:spPr>
           <a:xfrm>
-            <a:off x="838200" y="365125"/>
-            <a:ext cx="10515600" cy="1325563"/>
+            <a:off x="0" y="0"/>
+            <a:ext cx="12192000" cy="6858000"/>
           </a:xfrm>
           <a:prstGeom prst="rect">
             <a:avLst/>
           </a:prstGeom>
         </p:spPr>
-        <p:txBody>
-          <a:bodyPr/>
-          <a:lstStyle>
-            <a:lvl1pPr algn="l" defTabSz="914400" rtl="0" eaLnBrk="1" latinLnBrk="0" hangingPunct="1">
-              <a:lnSpc>
-                <a:spcPct val="90000"/>
-              </a:lnSpc>
-              <a:spcBef>
-                <a:spcPct val="0"/>
-              </a:spcBef>
-              <a:buNone/>
-              <a:defRPr sz="4400" kern="1200">
-                <a:solidFill>
-                  <a:schemeClr val="tx1"/>
-                </a:solidFill>
-                <a:latin typeface="+mj-lt"/>
-                <a:ea typeface="+mj-ea"/>
-                <a:cs typeface="+mj-cs"/>
-              </a:defRPr>
-            </a:lvl1pPr>
-          </a:lstStyle>
-          <a:p>
-            <a:r>
-              <a:rPr lang="de-DE" dirty="0"/>
-              <a:t>Demo-Video:</a:t>
-            </a:r>
-          </a:p>
-        </p:txBody>
-      </p:sp>
+      </p:pic>
     </p:spTree>
     <p:extLst>
       <p:ext uri="{BB962C8B-B14F-4D97-AF65-F5344CB8AC3E}">
@@ -4231,6 +3780,9 @@
   <p:clrMapOvr>
     <a:masterClrMapping/>
   </p:clrMapOvr>
+  <p:transition spd="slow">
+    <p:push dir="u"/>
+  </p:transition>
 </p:sld>
 </file>
 
@@ -4365,6 +3917,9 @@
   <p:clrMapOvr>
     <a:masterClrMapping/>
   </p:clrMapOvr>
+  <p:transition spd="slow">
+    <p:push dir="u"/>
+  </p:transition>
 </p:sld>
 </file>
 
@@ -4661,299 +4216,4 @@
     </a:ext>
   </a:extLst>
 </a:theme>
-</file>
-
-<file path=ppt/theme/theme2.xml><?xml version="1.0" encoding="utf-8"?>
-<a:theme xmlns:a="http://schemas.openxmlformats.org/drawingml/2006/main" name="Office">
-  <a:themeElements>
-    <a:clrScheme name="Office">
-      <a:dk1>
-        <a:sysClr val="windowText" lastClr="000000"/>
-      </a:dk1>
-      <a:lt1>
-        <a:sysClr val="window" lastClr="FFFFFF"/>
-      </a:lt1>
-      <a:dk2>
-        <a:srgbClr val="44546A"/>
-      </a:dk2>
-      <a:lt2>
-        <a:srgbClr val="E7E6E6"/>
-      </a:lt2>
-      <a:accent1>
-        <a:srgbClr val="4472C4"/>
-      </a:accent1>
-      <a:accent2>
-        <a:srgbClr val="ED7D31"/>
-      </a:accent2>
-      <a:accent3>
-        <a:srgbClr val="A5A5A5"/>
-      </a:accent3>
-      <a:accent4>
-        <a:srgbClr val="FFC000"/>
-      </a:accent4>
-      <a:accent5>
-        <a:srgbClr val="5B9BD5"/>
-      </a:accent5>
-      <a:accent6>
-        <a:srgbClr val="70AD47"/>
-      </a:accent6>
-      <a:hlink>
-        <a:srgbClr val="0563C1"/>
-      </a:hlink>
-      <a:folHlink>
-        <a:srgbClr val="954F72"/>
-      </a:folHlink>
-    </a:clrScheme>
-    <a:fontScheme name="Office">
-      <a:majorFont>
-        <a:latin typeface="Calibri Light" panose="020F0302020204030204"/>
-        <a:ea typeface=""/>
-        <a:cs typeface=""/>
-        <a:font script="Jpan" typeface="游ゴシック Light"/>
-        <a:font script="Hang" typeface="맑은 고딕"/>
-        <a:font script="Hans" typeface="等线 Light"/>
-        <a:font script="Hant" typeface="新細明體"/>
-        <a:font script="Arab" typeface="Times New Roman"/>
-        <a:font script="Hebr" typeface="Times New Roman"/>
-        <a:font script="Thai" typeface="Angsana New"/>
-        <a:font script="Ethi" typeface="Nyala"/>
-        <a:font script="Beng" typeface="Vrinda"/>
-        <a:font script="Gujr" typeface="Shruti"/>
-        <a:font script="Khmr" typeface="MoolBoran"/>
-        <a:font script="Knda" typeface="Tunga"/>
-        <a:font script="Guru" typeface="Raavi"/>
-        <a:font script="Cans" typeface="Euphemia"/>
-        <a:font script="Cher" typeface="Plantagenet Cherokee"/>
-        <a:font script="Yiii" typeface="Microsoft Yi Baiti"/>
-        <a:font script="Tibt" typeface="Microsoft Himalaya"/>
-        <a:font script="Thaa" typeface="MV Boli"/>
-        <a:font script="Deva" typeface="Mangal"/>
-        <a:font script="Telu" typeface="Gautami"/>
-        <a:font script="Taml" typeface="Latha"/>
-        <a:font script="Syrc" typeface="Estrangelo Edessa"/>
-        <a:font script="Orya" typeface="Kalinga"/>
-        <a:font script="Mlym" typeface="Kartika"/>
-        <a:font script="Laoo" typeface="DokChampa"/>
-        <a:font script="Sinh" typeface="Iskoola Pota"/>
-        <a:font script="Mong" typeface="Mongolian Baiti"/>
-        <a:font script="Viet" typeface="Times New Roman"/>
-        <a:font script="Uigh" typeface="Microsoft Uighur"/>
-        <a:font script="Geor" typeface="Sylfaen"/>
-        <a:font script="Armn" typeface="Arial"/>
-        <a:font script="Bugi" typeface="Leelawadee UI"/>
-        <a:font script="Bopo" typeface="Microsoft JhengHei"/>
-        <a:font script="Java" typeface="Javanese Text"/>
-        <a:font script="Lisu" typeface="Segoe UI"/>
-        <a:font script="Mymr" typeface="Myanmar Text"/>
-        <a:font script="Nkoo" typeface="Ebrima"/>
-        <a:font script="Olck" typeface="Nirmala UI"/>
-        <a:font script="Osma" typeface="Ebrima"/>
-        <a:font script="Phag" typeface="Phagspa"/>
-        <a:font script="Syrn" typeface="Estrangelo Edessa"/>
-        <a:font script="Syrj" typeface="Estrangelo Edessa"/>
-        <a:font script="Syre" typeface="Estrangelo Edessa"/>
-        <a:font script="Sora" typeface="Nirmala UI"/>
-        <a:font script="Tale" typeface="Microsoft Tai Le"/>
-        <a:font script="Talu" typeface="Microsoft New Tai Lue"/>
-        <a:font script="Tfng" typeface="Ebrima"/>
-      </a:majorFont>
-      <a:minorFont>
-        <a:latin typeface="Calibri" panose="020F0502020204030204"/>
-        <a:ea typeface=""/>
-        <a:cs typeface=""/>
-        <a:font script="Jpan" typeface="游ゴシック"/>
-        <a:font script="Hang" typeface="맑은 고딕"/>
-        <a:font script="Hans" typeface="等线"/>
-        <a:font script="Hant" typeface="新細明體"/>
-        <a:font script="Arab" typeface="Arial"/>
-        <a:font script="Hebr" typeface="Arial"/>
-        <a:font script="Thai" typeface="Cordia New"/>
-        <a:font script="Ethi" typeface="Nyala"/>
-        <a:font script="Beng" typeface="Vrinda"/>
-        <a:font script="Gujr" typeface="Shruti"/>
-        <a:font script="Khmr" typeface="DaunPenh"/>
-        <a:font script="Knda" typeface="Tunga"/>
-        <a:font script="Guru" typeface="Raavi"/>
-        <a:font script="Cans" typeface="Euphemia"/>
-        <a:font script="Cher" typeface="Plantagenet Cherokee"/>
-        <a:font script="Yiii" typeface="Microsoft Yi Baiti"/>
-        <a:font script="Tibt" typeface="Microsoft Himalaya"/>
-        <a:font script="Thaa" typeface="MV Boli"/>
-        <a:font script="Deva" typeface="Mangal"/>
-        <a:font script="Telu" typeface="Gautami"/>
-        <a:font script="Taml" typeface="Latha"/>
-        <a:font script="Syrc" typeface="Estrangelo Edessa"/>
-        <a:font script="Orya" typeface="Kalinga"/>
-        <a:font script="Mlym" typeface="Kartika"/>
-        <a:font script="Laoo" typeface="DokChampa"/>
-        <a:font script="Sinh" typeface="Iskoola Pota"/>
-        <a:font script="Mong" typeface="Mongolian Baiti"/>
-        <a:font script="Viet" typeface="Arial"/>
-        <a:font script="Uigh" typeface="Microsoft Uighur"/>
-        <a:font script="Geor" typeface="Sylfaen"/>
-        <a:font script="Armn" typeface="Arial"/>
-        <a:font script="Bugi" typeface="Leelawadee UI"/>
-        <a:font script="Bopo" typeface="Microsoft JhengHei"/>
-        <a:font script="Java" typeface="Javanese Text"/>
-        <a:font script="Lisu" typeface="Segoe UI"/>
-        <a:font script="Mymr" typeface="Myanmar Text"/>
-        <a:font script="Nkoo" typeface="Ebrima"/>
-        <a:font script="Olck" typeface="Nirmala UI"/>
-        <a:font script="Osma" typeface="Ebrima"/>
-        <a:font script="Phag" typeface="Phagspa"/>
-        <a:font script="Syrn" typeface="Estrangelo Edessa"/>
-        <a:font script="Syrj" typeface="Estrangelo Edessa"/>
-        <a:font script="Syre" typeface="Estrangelo Edessa"/>
-        <a:font script="Sora" typeface="Nirmala UI"/>
-        <a:font script="Tale" typeface="Microsoft Tai Le"/>
-        <a:font script="Talu" typeface="Microsoft New Tai Lue"/>
-        <a:font script="Tfng" typeface="Ebrima"/>
-      </a:minorFont>
-    </a:fontScheme>
-    <a:fmtScheme name="Office">
-      <a:fillStyleLst>
-        <a:solidFill>
-          <a:schemeClr val="phClr"/>
-        </a:solidFill>
-        <a:gradFill rotWithShape="1">
-          <a:gsLst>
-            <a:gs pos="0">
-              <a:schemeClr val="phClr">
-                <a:lumMod val="110000"/>
-                <a:satMod val="105000"/>
-                <a:tint val="67000"/>
-              </a:schemeClr>
-            </a:gs>
-            <a:gs pos="50000">
-              <a:schemeClr val="phClr">
-                <a:lumMod val="105000"/>
-                <a:satMod val="103000"/>
-                <a:tint val="73000"/>
-              </a:schemeClr>
-            </a:gs>
-            <a:gs pos="100000">
-              <a:schemeClr val="phClr">
-                <a:lumMod val="105000"/>
-                <a:satMod val="109000"/>
-                <a:tint val="81000"/>
-              </a:schemeClr>
-            </a:gs>
-          </a:gsLst>
-          <a:lin ang="5400000" scaled="0"/>
-        </a:gradFill>
-        <a:gradFill rotWithShape="1">
-          <a:gsLst>
-            <a:gs pos="0">
-              <a:schemeClr val="phClr">
-                <a:satMod val="103000"/>
-                <a:lumMod val="102000"/>
-                <a:tint val="94000"/>
-              </a:schemeClr>
-            </a:gs>
-            <a:gs pos="50000">
-              <a:schemeClr val="phClr">
-                <a:satMod val="110000"/>
-                <a:lumMod val="100000"/>
-                <a:shade val="100000"/>
-              </a:schemeClr>
-            </a:gs>
-            <a:gs pos="100000">
-              <a:schemeClr val="phClr">
-                <a:lumMod val="99000"/>
-                <a:satMod val="120000"/>
-                <a:shade val="78000"/>
-              </a:schemeClr>
-            </a:gs>
-          </a:gsLst>
-          <a:lin ang="5400000" scaled="0"/>
-        </a:gradFill>
-      </a:fillStyleLst>
-      <a:lnStyleLst>
-        <a:ln w="6350" cap="flat" cmpd="sng" algn="ctr">
-          <a:solidFill>
-            <a:schemeClr val="phClr"/>
-          </a:solidFill>
-          <a:prstDash val="solid"/>
-          <a:miter lim="800000"/>
-        </a:ln>
-        <a:ln w="12700" cap="flat" cmpd="sng" algn="ctr">
-          <a:solidFill>
-            <a:schemeClr val="phClr"/>
-          </a:solidFill>
-          <a:prstDash val="solid"/>
-          <a:miter lim="800000"/>
-        </a:ln>
-        <a:ln w="19050" cap="flat" cmpd="sng" algn="ctr">
-          <a:solidFill>
-            <a:schemeClr val="phClr"/>
-          </a:solidFill>
-          <a:prstDash val="solid"/>
-          <a:miter lim="800000"/>
-        </a:ln>
-      </a:lnStyleLst>
-      <a:effectStyleLst>
-        <a:effectStyle>
-          <a:effectLst/>
-        </a:effectStyle>
-        <a:effectStyle>
-          <a:effectLst/>
-        </a:effectStyle>
-        <a:effectStyle>
-          <a:effectLst>
-            <a:outerShdw blurRad="57150" dist="19050" dir="5400000" algn="ctr" rotWithShape="0">
-              <a:srgbClr val="000000">
-                <a:alpha val="63000"/>
-              </a:srgbClr>
-            </a:outerShdw>
-          </a:effectLst>
-        </a:effectStyle>
-      </a:effectStyleLst>
-      <a:bgFillStyleLst>
-        <a:solidFill>
-          <a:schemeClr val="phClr"/>
-        </a:solidFill>
-        <a:solidFill>
-          <a:schemeClr val="phClr">
-            <a:tint val="95000"/>
-            <a:satMod val="170000"/>
-          </a:schemeClr>
-        </a:solidFill>
-        <a:gradFill rotWithShape="1">
-          <a:gsLst>
-            <a:gs pos="0">
-              <a:schemeClr val="phClr">
-                <a:tint val="93000"/>
-                <a:satMod val="150000"/>
-                <a:shade val="98000"/>
-                <a:lumMod val="102000"/>
-              </a:schemeClr>
-            </a:gs>
-            <a:gs pos="50000">
-              <a:schemeClr val="phClr">
-                <a:tint val="98000"/>
-                <a:satMod val="130000"/>
-                <a:shade val="90000"/>
-                <a:lumMod val="103000"/>
-              </a:schemeClr>
-            </a:gs>
-            <a:gs pos="100000">
-              <a:schemeClr val="phClr">
-                <a:shade val="63000"/>
-                <a:satMod val="120000"/>
-              </a:schemeClr>
-            </a:gs>
-          </a:gsLst>
-          <a:lin ang="5400000" scaled="0"/>
-        </a:gradFill>
-      </a:bgFillStyleLst>
-    </a:fmtScheme>
-  </a:themeElements>
-  <a:objectDefaults/>
-  <a:extraClrSchemeLst/>
-  <a:extLst>
-    <a:ext uri="{05A4C25C-085E-4340-85A3-A5531E510DB2}">
-      <thm15:themeFamily xmlns:thm15="http://schemas.microsoft.com/office/thememl/2012/main" name="Office Theme" id="{62F939B6-93AF-4DB8-9C6B-D6C7DFDC589F}" vid="{4A3C46E8-61CC-4603-A589-7422A47A8E4A}"/>
-    </a:ext>
-  </a:extLst>
-</a:theme>
 </file>